--- a/app_계획서_20183222.pptx
+++ b/app_계획서_20183222.pptx
@@ -11,10 +11,7 @@
     <p:sldId id="257" r:id="rId5"/>
     <p:sldId id="259" r:id="rId6"/>
     <p:sldId id="268" r:id="rId7"/>
-    <p:sldId id="269" r:id="rId8"/>
-    <p:sldId id="270" r:id="rId9"/>
-    <p:sldId id="271" r:id="rId10"/>
-    <p:sldId id="272" r:id="rId11"/>
+    <p:sldId id="272" r:id="rId8"/>
   </p:sldIdLst>
   <p:sldSz cx="12192000" cy="6858000"/>
   <p:notesSz cx="6858000" cy="9144000"/>
@@ -268,7 +265,7 @@
           <a:p>
             <a:fld id="{A76FF349-9581-4E79-983E-A11FF6EA12E3}" type="datetimeFigureOut">
               <a:rPr lang="ko-KR" altLang="en-US" smtClean="0"/>
-              <a:t>2023-04-05</a:t>
+              <a:t>2023-06-08</a:t>
             </a:fld>
             <a:endParaRPr lang="ko-KR" altLang="en-US"/>
           </a:p>
@@ -466,7 +463,7 @@
           <a:p>
             <a:fld id="{A76FF349-9581-4E79-983E-A11FF6EA12E3}" type="datetimeFigureOut">
               <a:rPr lang="ko-KR" altLang="en-US" smtClean="0"/>
-              <a:t>2023-04-05</a:t>
+              <a:t>2023-06-08</a:t>
             </a:fld>
             <a:endParaRPr lang="ko-KR" altLang="en-US"/>
           </a:p>
@@ -674,7 +671,7 @@
           <a:p>
             <a:fld id="{A76FF349-9581-4E79-983E-A11FF6EA12E3}" type="datetimeFigureOut">
               <a:rPr lang="ko-KR" altLang="en-US" smtClean="0"/>
-              <a:t>2023-04-05</a:t>
+              <a:t>2023-06-08</a:t>
             </a:fld>
             <a:endParaRPr lang="ko-KR" altLang="en-US"/>
           </a:p>
@@ -872,7 +869,7 @@
           <a:p>
             <a:fld id="{A76FF349-9581-4E79-983E-A11FF6EA12E3}" type="datetimeFigureOut">
               <a:rPr lang="ko-KR" altLang="en-US" smtClean="0"/>
-              <a:t>2023-04-05</a:t>
+              <a:t>2023-06-08</a:t>
             </a:fld>
             <a:endParaRPr lang="ko-KR" altLang="en-US"/>
           </a:p>
@@ -1147,7 +1144,7 @@
           <a:p>
             <a:fld id="{A76FF349-9581-4E79-983E-A11FF6EA12E3}" type="datetimeFigureOut">
               <a:rPr lang="ko-KR" altLang="en-US" smtClean="0"/>
-              <a:t>2023-04-05</a:t>
+              <a:t>2023-06-08</a:t>
             </a:fld>
             <a:endParaRPr lang="ko-KR" altLang="en-US"/>
           </a:p>
@@ -1412,7 +1409,7 @@
           <a:p>
             <a:fld id="{A76FF349-9581-4E79-983E-A11FF6EA12E3}" type="datetimeFigureOut">
               <a:rPr lang="ko-KR" altLang="en-US" smtClean="0"/>
-              <a:t>2023-04-05</a:t>
+              <a:t>2023-06-08</a:t>
             </a:fld>
             <a:endParaRPr lang="ko-KR" altLang="en-US"/>
           </a:p>
@@ -1824,7 +1821,7 @@
           <a:p>
             <a:fld id="{A76FF349-9581-4E79-983E-A11FF6EA12E3}" type="datetimeFigureOut">
               <a:rPr lang="ko-KR" altLang="en-US" smtClean="0"/>
-              <a:t>2023-04-05</a:t>
+              <a:t>2023-06-08</a:t>
             </a:fld>
             <a:endParaRPr lang="ko-KR" altLang="en-US"/>
           </a:p>
@@ -1965,7 +1962,7 @@
           <a:p>
             <a:fld id="{A76FF349-9581-4E79-983E-A11FF6EA12E3}" type="datetimeFigureOut">
               <a:rPr lang="ko-KR" altLang="en-US" smtClean="0"/>
-              <a:t>2023-04-05</a:t>
+              <a:t>2023-06-08</a:t>
             </a:fld>
             <a:endParaRPr lang="ko-KR" altLang="en-US"/>
           </a:p>
@@ -2078,7 +2075,7 @@
           <a:p>
             <a:fld id="{A76FF349-9581-4E79-983E-A11FF6EA12E3}" type="datetimeFigureOut">
               <a:rPr lang="ko-KR" altLang="en-US" smtClean="0"/>
-              <a:t>2023-04-05</a:t>
+              <a:t>2023-06-08</a:t>
             </a:fld>
             <a:endParaRPr lang="ko-KR" altLang="en-US"/>
           </a:p>
@@ -2389,7 +2386,7 @@
           <a:p>
             <a:fld id="{A76FF349-9581-4E79-983E-A11FF6EA12E3}" type="datetimeFigureOut">
               <a:rPr lang="ko-KR" altLang="en-US" smtClean="0"/>
-              <a:t>2023-04-05</a:t>
+              <a:t>2023-06-08</a:t>
             </a:fld>
             <a:endParaRPr lang="ko-KR" altLang="en-US"/>
           </a:p>
@@ -2677,7 +2674,7 @@
           <a:p>
             <a:fld id="{A76FF349-9581-4E79-983E-A11FF6EA12E3}" type="datetimeFigureOut">
               <a:rPr lang="ko-KR" altLang="en-US" smtClean="0"/>
-              <a:t>2023-04-05</a:t>
+              <a:t>2023-06-08</a:t>
             </a:fld>
             <a:endParaRPr lang="ko-KR" altLang="en-US"/>
           </a:p>
@@ -2918,7 +2915,7 @@
           <a:p>
             <a:fld id="{A76FF349-9581-4E79-983E-A11FF6EA12E3}" type="datetimeFigureOut">
               <a:rPr lang="ko-KR" altLang="en-US" smtClean="0"/>
-              <a:t>2023-04-05</a:t>
+              <a:t>2023-06-08</a:t>
             </a:fld>
             <a:endParaRPr lang="ko-KR" altLang="en-US"/>
           </a:p>
@@ -3439,924 +3436,6 @@
 </p:sld>
 </file>
 
-<file path=ppt/slides/slide10.xml><?xml version="1.0" encoding="utf-8"?>
-<p:sld xmlns:a="http://schemas.openxmlformats.org/drawingml/2006/main" xmlns:r="http://schemas.openxmlformats.org/officeDocument/2006/relationships" xmlns:p="http://schemas.openxmlformats.org/presentationml/2006/main">
-  <p:cSld>
-    <p:spTree>
-      <p:nvGrpSpPr>
-        <p:cNvPr id="1" name=""/>
-        <p:cNvGrpSpPr/>
-        <p:nvPr/>
-      </p:nvGrpSpPr>
-      <p:grpSpPr>
-        <a:xfrm>
-          <a:off x="0" y="0"/>
-          <a:ext cx="0" cy="0"/>
-          <a:chOff x="0" y="0"/>
-          <a:chExt cx="0" cy="0"/>
-        </a:xfrm>
-      </p:grpSpPr>
-      <p:pic>
-        <p:nvPicPr>
-          <p:cNvPr id="3" name="그림 2">
-            <a:extLst>
-              <a:ext uri="{FF2B5EF4-FFF2-40B4-BE49-F238E27FC236}">
-                <a16:creationId xmlns:a16="http://schemas.microsoft.com/office/drawing/2014/main" id="{3E80CA4D-8CC7-4388-A382-21048F88756A}"/>
-              </a:ext>
-            </a:extLst>
-          </p:cNvPr>
-          <p:cNvPicPr>
-            <a:picLocks noChangeAspect="1"/>
-          </p:cNvPicPr>
-          <p:nvPr/>
-        </p:nvPicPr>
-        <p:blipFill>
-          <a:blip r:embed="rId2">
-            <a:extLst>
-              <a:ext uri="{28A0092B-C50C-407E-A947-70E740481C1C}">
-                <a14:useLocalDpi xmlns:a14="http://schemas.microsoft.com/office/drawing/2010/main" val="0"/>
-              </a:ext>
-            </a:extLst>
-          </a:blip>
-          <a:stretch>
-            <a:fillRect/>
-          </a:stretch>
-        </p:blipFill>
-        <p:spPr>
-          <a:xfrm>
-            <a:off x="3412752" y="0"/>
-            <a:ext cx="3086100" cy="6858000"/>
-          </a:xfrm>
-          <a:prstGeom prst="rect">
-            <a:avLst/>
-          </a:prstGeom>
-        </p:spPr>
-      </p:pic>
-      <p:sp>
-        <p:nvSpPr>
-          <p:cNvPr id="14" name="타원 13">
-            <a:extLst>
-              <a:ext uri="{FF2B5EF4-FFF2-40B4-BE49-F238E27FC236}">
-                <a16:creationId xmlns:a16="http://schemas.microsoft.com/office/drawing/2014/main" id="{DFCC4B6E-CB4C-45AC-B1D2-79CCE554DF1B}"/>
-              </a:ext>
-            </a:extLst>
-          </p:cNvPr>
-          <p:cNvSpPr/>
-          <p:nvPr/>
-        </p:nvSpPr>
-        <p:spPr>
-          <a:xfrm>
-            <a:off x="4109537" y="720394"/>
-            <a:ext cx="216000" cy="216000"/>
-          </a:xfrm>
-          <a:prstGeom prst="ellipse">
-            <a:avLst/>
-          </a:prstGeom>
-        </p:spPr>
-        <p:style>
-          <a:lnRef idx="2">
-            <a:schemeClr val="accent2">
-              <a:shade val="50000"/>
-            </a:schemeClr>
-          </a:lnRef>
-          <a:fillRef idx="1">
-            <a:schemeClr val="accent2"/>
-          </a:fillRef>
-          <a:effectRef idx="0">
-            <a:schemeClr val="accent2"/>
-          </a:effectRef>
-          <a:fontRef idx="minor">
-            <a:schemeClr val="lt1"/>
-          </a:fontRef>
-        </p:style>
-        <p:txBody>
-          <a:bodyPr rtlCol="0" anchor="ctr"/>
-          <a:lstStyle/>
-          <a:p>
-            <a:pPr algn="ctr"/>
-            <a:r>
-              <a:rPr lang="en-US" altLang="ko-KR" sz="1000" dirty="0"/>
-              <a:t>1</a:t>
-            </a:r>
-          </a:p>
-        </p:txBody>
-      </p:sp>
-      <p:sp>
-        <p:nvSpPr>
-          <p:cNvPr id="15" name="타원 14">
-            <a:extLst>
-              <a:ext uri="{FF2B5EF4-FFF2-40B4-BE49-F238E27FC236}">
-                <a16:creationId xmlns:a16="http://schemas.microsoft.com/office/drawing/2014/main" id="{653B9A5C-F4DC-44C5-A65A-080BFB9C060B}"/>
-              </a:ext>
-            </a:extLst>
-          </p:cNvPr>
-          <p:cNvSpPr/>
-          <p:nvPr/>
-        </p:nvSpPr>
-        <p:spPr>
-          <a:xfrm>
-            <a:off x="3482818" y="1505831"/>
-            <a:ext cx="216000" cy="216000"/>
-          </a:xfrm>
-          <a:prstGeom prst="ellipse">
-            <a:avLst/>
-          </a:prstGeom>
-        </p:spPr>
-        <p:style>
-          <a:lnRef idx="2">
-            <a:schemeClr val="accent2">
-              <a:shade val="50000"/>
-            </a:schemeClr>
-          </a:lnRef>
-          <a:fillRef idx="1">
-            <a:schemeClr val="accent2"/>
-          </a:fillRef>
-          <a:effectRef idx="0">
-            <a:schemeClr val="accent2"/>
-          </a:effectRef>
-          <a:fontRef idx="minor">
-            <a:schemeClr val="lt1"/>
-          </a:fontRef>
-        </p:style>
-        <p:txBody>
-          <a:bodyPr rtlCol="0" anchor="ctr"/>
-          <a:lstStyle/>
-          <a:p>
-            <a:pPr algn="ctr"/>
-            <a:r>
-              <a:rPr lang="en-US" altLang="ko-KR" sz="1000" dirty="0"/>
-              <a:t>2</a:t>
-            </a:r>
-          </a:p>
-        </p:txBody>
-      </p:sp>
-      <p:sp>
-        <p:nvSpPr>
-          <p:cNvPr id="18" name="타원 17">
-            <a:extLst>
-              <a:ext uri="{FF2B5EF4-FFF2-40B4-BE49-F238E27FC236}">
-                <a16:creationId xmlns:a16="http://schemas.microsoft.com/office/drawing/2014/main" id="{AAB8C2D1-B65B-4597-A643-81945D0A8EF4}"/>
-              </a:ext>
-            </a:extLst>
-          </p:cNvPr>
-          <p:cNvSpPr/>
-          <p:nvPr/>
-        </p:nvSpPr>
-        <p:spPr>
-          <a:xfrm>
-            <a:off x="4253026" y="6029606"/>
-            <a:ext cx="216000" cy="216000"/>
-          </a:xfrm>
-          <a:prstGeom prst="ellipse">
-            <a:avLst/>
-          </a:prstGeom>
-        </p:spPr>
-        <p:style>
-          <a:lnRef idx="2">
-            <a:schemeClr val="accent2">
-              <a:shade val="50000"/>
-            </a:schemeClr>
-          </a:lnRef>
-          <a:fillRef idx="1">
-            <a:schemeClr val="accent2"/>
-          </a:fillRef>
-          <a:effectRef idx="0">
-            <a:schemeClr val="accent2"/>
-          </a:effectRef>
-          <a:fontRef idx="minor">
-            <a:schemeClr val="lt1"/>
-          </a:fontRef>
-        </p:style>
-        <p:txBody>
-          <a:bodyPr rtlCol="0" anchor="ctr"/>
-          <a:lstStyle/>
-          <a:p>
-            <a:pPr algn="ctr"/>
-            <a:r>
-              <a:rPr lang="en-US" altLang="ko-KR" sz="1000" dirty="0"/>
-              <a:t>4</a:t>
-            </a:r>
-          </a:p>
-        </p:txBody>
-      </p:sp>
-      <p:graphicFrame>
-        <p:nvGraphicFramePr>
-          <p:cNvPr id="21" name="표 21">
-            <a:extLst>
-              <a:ext uri="{FF2B5EF4-FFF2-40B4-BE49-F238E27FC236}">
-                <a16:creationId xmlns:a16="http://schemas.microsoft.com/office/drawing/2014/main" id="{71A16ABA-C7C3-4006-AE98-2AFEEFD16C3F}"/>
-              </a:ext>
-            </a:extLst>
-          </p:cNvPr>
-          <p:cNvGraphicFramePr>
-            <a:graphicFrameLocks noGrp="1"/>
-          </p:cNvGraphicFramePr>
-          <p:nvPr>
-            <p:extLst>
-              <p:ext uri="{D42A27DB-BD31-4B8C-83A1-F6EECF244321}">
-                <p14:modId xmlns:p14="http://schemas.microsoft.com/office/powerpoint/2010/main" val="4259208695"/>
-              </p:ext>
-            </p:extLst>
-          </p:nvPr>
-        </p:nvGraphicFramePr>
-        <p:xfrm>
-          <a:off x="8211952" y="417010"/>
-          <a:ext cx="3539893" cy="2733996"/>
-        </p:xfrm>
-        <a:graphic>
-          <a:graphicData uri="http://schemas.openxmlformats.org/drawingml/2006/table">
-            <a:tbl>
-              <a:tblPr firstRow="1" bandRow="1">
-                <a:tableStyleId>{F5AB1C69-6EDB-4FF4-983F-18BD219EF322}</a:tableStyleId>
-              </a:tblPr>
-              <a:tblGrid>
-                <a:gridCol w="609948">
-                  <a:extLst>
-                    <a:ext uri="{9D8B030D-6E8A-4147-A177-3AD203B41FA5}">
-                      <a16:colId xmlns:a16="http://schemas.microsoft.com/office/drawing/2014/main" val="2292092770"/>
-                    </a:ext>
-                  </a:extLst>
-                </a:gridCol>
-                <a:gridCol w="2929945">
-                  <a:extLst>
-                    <a:ext uri="{9D8B030D-6E8A-4147-A177-3AD203B41FA5}">
-                      <a16:colId xmlns:a16="http://schemas.microsoft.com/office/drawing/2014/main" val="127655576"/>
-                    </a:ext>
-                  </a:extLst>
-                </a:gridCol>
-              </a:tblGrid>
-              <a:tr h="423078">
-                <a:tc gridSpan="2">
-                  <a:txBody>
-                    <a:bodyPr/>
-                    <a:lstStyle/>
-                    <a:p>
-                      <a:pPr latinLnBrk="1"/>
-                      <a:r>
-                        <a:rPr lang="ko-KR" altLang="en-US" dirty="0"/>
-                        <a:t>설명</a:t>
-                      </a:r>
-                    </a:p>
-                  </a:txBody>
-                  <a:tcPr>
-                    <a:lnL w="12700" cap="flat" cmpd="sng" algn="ctr">
-                      <a:solidFill>
-                        <a:schemeClr val="tx1"/>
-                      </a:solidFill>
-                      <a:prstDash val="solid"/>
-                      <a:round/>
-                      <a:headEnd type="none" w="med" len="med"/>
-                      <a:tailEnd type="none" w="med" len="med"/>
-                    </a:lnL>
-                    <a:lnR w="12700" cap="flat" cmpd="sng" algn="ctr">
-                      <a:solidFill>
-                        <a:schemeClr val="tx1"/>
-                      </a:solidFill>
-                      <a:prstDash val="solid"/>
-                      <a:round/>
-                      <a:headEnd type="none" w="med" len="med"/>
-                      <a:tailEnd type="none" w="med" len="med"/>
-                    </a:lnR>
-                    <a:lnT w="12700" cap="flat" cmpd="sng" algn="ctr">
-                      <a:solidFill>
-                        <a:schemeClr val="tx1"/>
-                      </a:solidFill>
-                      <a:prstDash val="solid"/>
-                      <a:round/>
-                      <a:headEnd type="none" w="med" len="med"/>
-                      <a:tailEnd type="none" w="med" len="med"/>
-                    </a:lnT>
-                    <a:lnB w="12700" cap="flat" cmpd="sng" algn="ctr">
-                      <a:solidFill>
-                        <a:schemeClr val="tx1"/>
-                      </a:solidFill>
-                      <a:prstDash val="solid"/>
-                      <a:round/>
-                      <a:headEnd type="none" w="med" len="med"/>
-                      <a:tailEnd type="none" w="med" len="med"/>
-                    </a:lnB>
-                  </a:tcPr>
-                </a:tc>
-                <a:tc hMerge="1">
-                  <a:txBody>
-                    <a:bodyPr/>
-                    <a:lstStyle/>
-                    <a:p>
-                      <a:pPr latinLnBrk="1"/>
-                      <a:endParaRPr lang="ko-KR" altLang="en-US" dirty="0"/>
-                    </a:p>
-                  </a:txBody>
-                  <a:tcPr/>
-                </a:tc>
-                <a:extLst>
-                  <a:ext uri="{0D108BD9-81ED-4DB2-BD59-A6C34878D82A}">
-                    <a16:rowId xmlns:a16="http://schemas.microsoft.com/office/drawing/2014/main" val="3996738884"/>
-                  </a:ext>
-                </a:extLst>
-              </a:tr>
-              <a:tr h="423078">
-                <a:tc>
-                  <a:txBody>
-                    <a:bodyPr/>
-                    <a:lstStyle/>
-                    <a:p>
-                      <a:pPr algn="ctr" latinLnBrk="1"/>
-                      <a:r>
-                        <a:rPr lang="en-US" altLang="ko-KR" dirty="0"/>
-                        <a:t>1</a:t>
-                      </a:r>
-                      <a:endParaRPr lang="ko-KR" altLang="en-US" dirty="0"/>
-                    </a:p>
-                  </a:txBody>
-                  <a:tcPr anchor="ctr">
-                    <a:lnL w="12700" cap="flat" cmpd="sng" algn="ctr">
-                      <a:solidFill>
-                        <a:schemeClr val="tx1"/>
-                      </a:solidFill>
-                      <a:prstDash val="solid"/>
-                      <a:round/>
-                      <a:headEnd type="none" w="med" len="med"/>
-                      <a:tailEnd type="none" w="med" len="med"/>
-                    </a:lnL>
-                    <a:lnR w="12700" cap="flat" cmpd="sng" algn="ctr">
-                      <a:solidFill>
-                        <a:schemeClr val="tx1"/>
-                      </a:solidFill>
-                      <a:prstDash val="solid"/>
-                      <a:round/>
-                      <a:headEnd type="none" w="med" len="med"/>
-                      <a:tailEnd type="none" w="med" len="med"/>
-                    </a:lnR>
-                    <a:lnT w="12700" cap="flat" cmpd="sng" algn="ctr">
-                      <a:solidFill>
-                        <a:schemeClr val="tx1"/>
-                      </a:solidFill>
-                      <a:prstDash val="solid"/>
-                      <a:round/>
-                      <a:headEnd type="none" w="med" len="med"/>
-                      <a:tailEnd type="none" w="med" len="med"/>
-                    </a:lnT>
-                    <a:lnB w="12700" cap="flat" cmpd="sng" algn="ctr">
-                      <a:solidFill>
-                        <a:schemeClr val="tx1"/>
-                      </a:solidFill>
-                      <a:prstDash val="solid"/>
-                      <a:round/>
-                      <a:headEnd type="none" w="med" len="med"/>
-                      <a:tailEnd type="none" w="med" len="med"/>
-                    </a:lnB>
-                    <a:solidFill>
-                      <a:schemeClr val="bg1"/>
-                    </a:solidFill>
-                  </a:tcPr>
-                </a:tc>
-                <a:tc>
-                  <a:txBody>
-                    <a:bodyPr/>
-                    <a:lstStyle/>
-                    <a:p>
-                      <a:pPr latinLnBrk="1"/>
-                      <a:r>
-                        <a:rPr lang="ko-KR" altLang="en-US" b="0" dirty="0"/>
-                        <a:t>오늘 날짜</a:t>
-                      </a:r>
-                    </a:p>
-                  </a:txBody>
-                  <a:tcPr>
-                    <a:lnL w="12700" cap="flat" cmpd="sng" algn="ctr">
-                      <a:solidFill>
-                        <a:schemeClr val="tx1"/>
-                      </a:solidFill>
-                      <a:prstDash val="solid"/>
-                      <a:round/>
-                      <a:headEnd type="none" w="med" len="med"/>
-                      <a:tailEnd type="none" w="med" len="med"/>
-                    </a:lnL>
-                    <a:lnR w="12700" cap="flat" cmpd="sng" algn="ctr">
-                      <a:solidFill>
-                        <a:schemeClr val="tx1"/>
-                      </a:solidFill>
-                      <a:prstDash val="solid"/>
-                      <a:round/>
-                      <a:headEnd type="none" w="med" len="med"/>
-                      <a:tailEnd type="none" w="med" len="med"/>
-                    </a:lnR>
-                    <a:lnT w="12700" cap="flat" cmpd="sng" algn="ctr">
-                      <a:solidFill>
-                        <a:schemeClr val="tx1"/>
-                      </a:solidFill>
-                      <a:prstDash val="solid"/>
-                      <a:round/>
-                      <a:headEnd type="none" w="med" len="med"/>
-                      <a:tailEnd type="none" w="med" len="med"/>
-                    </a:lnT>
-                    <a:lnB w="12700" cap="flat" cmpd="sng" algn="ctr">
-                      <a:solidFill>
-                        <a:schemeClr val="tx1"/>
-                      </a:solidFill>
-                      <a:prstDash val="solid"/>
-                      <a:round/>
-                      <a:headEnd type="none" w="med" len="med"/>
-                      <a:tailEnd type="none" w="med" len="med"/>
-                    </a:lnB>
-                    <a:solidFill>
-                      <a:schemeClr val="bg1"/>
-                    </a:solidFill>
-                  </a:tcPr>
-                </a:tc>
-                <a:extLst>
-                  <a:ext uri="{0D108BD9-81ED-4DB2-BD59-A6C34878D82A}">
-                    <a16:rowId xmlns:a16="http://schemas.microsoft.com/office/drawing/2014/main" val="3679951739"/>
-                  </a:ext>
-                </a:extLst>
-              </a:tr>
-              <a:tr h="424800">
-                <a:tc>
-                  <a:txBody>
-                    <a:bodyPr/>
-                    <a:lstStyle/>
-                    <a:p>
-                      <a:pPr algn="ctr" latinLnBrk="1"/>
-                      <a:r>
-                        <a:rPr lang="en-US" altLang="ko-KR" dirty="0"/>
-                        <a:t>2</a:t>
-                      </a:r>
-                      <a:endParaRPr lang="ko-KR" altLang="en-US" dirty="0"/>
-                    </a:p>
-                  </a:txBody>
-                  <a:tcPr anchor="ctr">
-                    <a:lnL w="12700" cap="flat" cmpd="sng" algn="ctr">
-                      <a:solidFill>
-                        <a:schemeClr val="tx1"/>
-                      </a:solidFill>
-                      <a:prstDash val="solid"/>
-                      <a:round/>
-                      <a:headEnd type="none" w="med" len="med"/>
-                      <a:tailEnd type="none" w="med" len="med"/>
-                    </a:lnL>
-                    <a:lnR w="12700" cap="flat" cmpd="sng" algn="ctr">
-                      <a:solidFill>
-                        <a:schemeClr val="tx1"/>
-                      </a:solidFill>
-                      <a:prstDash val="solid"/>
-                      <a:round/>
-                      <a:headEnd type="none" w="med" len="med"/>
-                      <a:tailEnd type="none" w="med" len="med"/>
-                    </a:lnR>
-                    <a:lnT w="12700" cap="flat" cmpd="sng" algn="ctr">
-                      <a:solidFill>
-                        <a:schemeClr val="tx1"/>
-                      </a:solidFill>
-                      <a:prstDash val="solid"/>
-                      <a:round/>
-                      <a:headEnd type="none" w="med" len="med"/>
-                      <a:tailEnd type="none" w="med" len="med"/>
-                    </a:lnT>
-                    <a:lnB w="12700" cap="flat" cmpd="sng" algn="ctr">
-                      <a:solidFill>
-                        <a:schemeClr val="tx1"/>
-                      </a:solidFill>
-                      <a:prstDash val="solid"/>
-                      <a:round/>
-                      <a:headEnd type="none" w="med" len="med"/>
-                      <a:tailEnd type="none" w="med" len="med"/>
-                    </a:lnB>
-                    <a:solidFill>
-                      <a:schemeClr val="bg1"/>
-                    </a:solidFill>
-                  </a:tcPr>
-                </a:tc>
-                <a:tc>
-                  <a:txBody>
-                    <a:bodyPr/>
-                    <a:lstStyle/>
-                    <a:p>
-                      <a:pPr latinLnBrk="1"/>
-                      <a:r>
-                        <a:rPr lang="ko-KR" altLang="en-US" dirty="0"/>
-                        <a:t>이번 달 총 지출 내역</a:t>
-                      </a:r>
-                      <a:endParaRPr lang="en-US" altLang="ko-KR" dirty="0"/>
-                    </a:p>
-                    <a:p>
-                      <a:pPr latinLnBrk="1"/>
-                      <a:r>
-                        <a:rPr lang="en-US" altLang="ko-KR" sz="1600" dirty="0"/>
-                        <a:t>  - </a:t>
-                      </a:r>
-                      <a:r>
-                        <a:rPr lang="ko-KR" altLang="en-US" sz="1600" dirty="0"/>
-                        <a:t>이번 달 지출을 분류별로 출력</a:t>
-                      </a:r>
-                      <a:endParaRPr lang="en-US" altLang="ko-KR" sz="1600" dirty="0"/>
-                    </a:p>
-                  </a:txBody>
-                  <a:tcPr>
-                    <a:lnL w="12700" cap="flat" cmpd="sng" algn="ctr">
-                      <a:solidFill>
-                        <a:schemeClr val="tx1"/>
-                      </a:solidFill>
-                      <a:prstDash val="solid"/>
-                      <a:round/>
-                      <a:headEnd type="none" w="med" len="med"/>
-                      <a:tailEnd type="none" w="med" len="med"/>
-                    </a:lnL>
-                    <a:lnR w="12700" cap="flat" cmpd="sng" algn="ctr">
-                      <a:solidFill>
-                        <a:schemeClr val="tx1"/>
-                      </a:solidFill>
-                      <a:prstDash val="solid"/>
-                      <a:round/>
-                      <a:headEnd type="none" w="med" len="med"/>
-                      <a:tailEnd type="none" w="med" len="med"/>
-                    </a:lnR>
-                    <a:lnT w="12700" cap="flat" cmpd="sng" algn="ctr">
-                      <a:solidFill>
-                        <a:schemeClr val="tx1"/>
-                      </a:solidFill>
-                      <a:prstDash val="solid"/>
-                      <a:round/>
-                      <a:headEnd type="none" w="med" len="med"/>
-                      <a:tailEnd type="none" w="med" len="med"/>
-                    </a:lnT>
-                    <a:lnB w="12700" cap="flat" cmpd="sng" algn="ctr">
-                      <a:solidFill>
-                        <a:schemeClr val="tx1"/>
-                      </a:solidFill>
-                      <a:prstDash val="solid"/>
-                      <a:round/>
-                      <a:headEnd type="none" w="med" len="med"/>
-                      <a:tailEnd type="none" w="med" len="med"/>
-                    </a:lnB>
-                    <a:solidFill>
-                      <a:schemeClr val="bg1"/>
-                    </a:solidFill>
-                  </a:tcPr>
-                </a:tc>
-                <a:extLst>
-                  <a:ext uri="{0D108BD9-81ED-4DB2-BD59-A6C34878D82A}">
-                    <a16:rowId xmlns:a16="http://schemas.microsoft.com/office/drawing/2014/main" val="3025105934"/>
-                  </a:ext>
-                </a:extLst>
-              </a:tr>
-              <a:tr h="424800">
-                <a:tc>
-                  <a:txBody>
-                    <a:bodyPr/>
-                    <a:lstStyle/>
-                    <a:p>
-                      <a:pPr algn="ctr" latinLnBrk="1"/>
-                      <a:r>
-                        <a:rPr lang="en-US" altLang="ko-KR" dirty="0"/>
-                        <a:t>3</a:t>
-                      </a:r>
-                      <a:endParaRPr lang="ko-KR" altLang="en-US" dirty="0"/>
-                    </a:p>
-                  </a:txBody>
-                  <a:tcPr anchor="ctr">
-                    <a:lnL w="12700" cap="flat" cmpd="sng" algn="ctr">
-                      <a:solidFill>
-                        <a:schemeClr val="tx1"/>
-                      </a:solidFill>
-                      <a:prstDash val="solid"/>
-                      <a:round/>
-                      <a:headEnd type="none" w="med" len="med"/>
-                      <a:tailEnd type="none" w="med" len="med"/>
-                    </a:lnL>
-                    <a:lnR w="12700" cap="flat" cmpd="sng" algn="ctr">
-                      <a:solidFill>
-                        <a:schemeClr val="tx1"/>
-                      </a:solidFill>
-                      <a:prstDash val="solid"/>
-                      <a:round/>
-                      <a:headEnd type="none" w="med" len="med"/>
-                      <a:tailEnd type="none" w="med" len="med"/>
-                    </a:lnR>
-                    <a:lnT w="12700" cap="flat" cmpd="sng" algn="ctr">
-                      <a:solidFill>
-                        <a:schemeClr val="tx1"/>
-                      </a:solidFill>
-                      <a:prstDash val="solid"/>
-                      <a:round/>
-                      <a:headEnd type="none" w="med" len="med"/>
-                      <a:tailEnd type="none" w="med" len="med"/>
-                    </a:lnT>
-                    <a:lnB w="12700" cap="flat" cmpd="sng" algn="ctr">
-                      <a:solidFill>
-                        <a:schemeClr val="tx1"/>
-                      </a:solidFill>
-                      <a:prstDash val="solid"/>
-                      <a:round/>
-                      <a:headEnd type="none" w="med" len="med"/>
-                      <a:tailEnd type="none" w="med" len="med"/>
-                    </a:lnB>
-                    <a:solidFill>
-                      <a:schemeClr val="bg1"/>
-                    </a:solidFill>
-                  </a:tcPr>
-                </a:tc>
-                <a:tc>
-                  <a:txBody>
-                    <a:bodyPr/>
-                    <a:lstStyle/>
-                    <a:p>
-                      <a:pPr latinLnBrk="1"/>
-                      <a:r>
-                        <a:rPr lang="ko-KR" altLang="en-US" sz="1800" dirty="0"/>
-                        <a:t>이번 달 총 지출</a:t>
-                      </a:r>
-                      <a:endParaRPr lang="en-US" altLang="ko-KR" sz="1800" dirty="0"/>
-                    </a:p>
-                  </a:txBody>
-                  <a:tcPr>
-                    <a:lnL w="12700" cap="flat" cmpd="sng" algn="ctr">
-                      <a:solidFill>
-                        <a:schemeClr val="tx1"/>
-                      </a:solidFill>
-                      <a:prstDash val="solid"/>
-                      <a:round/>
-                      <a:headEnd type="none" w="med" len="med"/>
-                      <a:tailEnd type="none" w="med" len="med"/>
-                    </a:lnL>
-                    <a:lnR w="12700" cap="flat" cmpd="sng" algn="ctr">
-                      <a:solidFill>
-                        <a:schemeClr val="tx1"/>
-                      </a:solidFill>
-                      <a:prstDash val="solid"/>
-                      <a:round/>
-                      <a:headEnd type="none" w="med" len="med"/>
-                      <a:tailEnd type="none" w="med" len="med"/>
-                    </a:lnR>
-                    <a:lnT w="12700" cap="flat" cmpd="sng" algn="ctr">
-                      <a:solidFill>
-                        <a:schemeClr val="tx1"/>
-                      </a:solidFill>
-                      <a:prstDash val="solid"/>
-                      <a:round/>
-                      <a:headEnd type="none" w="med" len="med"/>
-                      <a:tailEnd type="none" w="med" len="med"/>
-                    </a:lnT>
-                    <a:lnB w="12700" cap="flat" cmpd="sng" algn="ctr">
-                      <a:solidFill>
-                        <a:schemeClr val="tx1"/>
-                      </a:solidFill>
-                      <a:prstDash val="solid"/>
-                      <a:round/>
-                      <a:headEnd type="none" w="med" len="med"/>
-                      <a:tailEnd type="none" w="med" len="med"/>
-                    </a:lnB>
-                    <a:solidFill>
-                      <a:schemeClr val="bg1"/>
-                    </a:solidFill>
-                  </a:tcPr>
-                </a:tc>
-                <a:extLst>
-                  <a:ext uri="{0D108BD9-81ED-4DB2-BD59-A6C34878D82A}">
-                    <a16:rowId xmlns:a16="http://schemas.microsoft.com/office/drawing/2014/main" val="2708506169"/>
-                  </a:ext>
-                </a:extLst>
-              </a:tr>
-              <a:tr h="208641">
-                <a:tc>
-                  <a:txBody>
-                    <a:bodyPr/>
-                    <a:lstStyle/>
-                    <a:p>
-                      <a:pPr algn="ctr" latinLnBrk="1"/>
-                      <a:r>
-                        <a:rPr lang="en-US" altLang="ko-KR" dirty="0"/>
-                        <a:t>4</a:t>
-                      </a:r>
-                      <a:endParaRPr lang="ko-KR" altLang="en-US" dirty="0"/>
-                    </a:p>
-                  </a:txBody>
-                  <a:tcPr anchor="ctr">
-                    <a:lnL w="12700" cap="flat" cmpd="sng" algn="ctr">
-                      <a:solidFill>
-                        <a:schemeClr val="tx1"/>
-                      </a:solidFill>
-                      <a:prstDash val="solid"/>
-                      <a:round/>
-                      <a:headEnd type="none" w="med" len="med"/>
-                      <a:tailEnd type="none" w="med" len="med"/>
-                    </a:lnL>
-                    <a:lnR w="12700" cap="flat" cmpd="sng" algn="ctr">
-                      <a:solidFill>
-                        <a:schemeClr val="tx1"/>
-                      </a:solidFill>
-                      <a:prstDash val="solid"/>
-                      <a:round/>
-                      <a:headEnd type="none" w="med" len="med"/>
-                      <a:tailEnd type="none" w="med" len="med"/>
-                    </a:lnR>
-                    <a:lnT w="12700" cap="flat" cmpd="sng" algn="ctr">
-                      <a:solidFill>
-                        <a:schemeClr val="tx1"/>
-                      </a:solidFill>
-                      <a:prstDash val="solid"/>
-                      <a:round/>
-                      <a:headEnd type="none" w="med" len="med"/>
-                      <a:tailEnd type="none" w="med" len="med"/>
-                    </a:lnT>
-                    <a:lnB w="12700" cap="flat" cmpd="sng" algn="ctr">
-                      <a:solidFill>
-                        <a:schemeClr val="tx1"/>
-                      </a:solidFill>
-                      <a:prstDash val="solid"/>
-                      <a:round/>
-                      <a:headEnd type="none" w="med" len="med"/>
-                      <a:tailEnd type="none" w="med" len="med"/>
-                    </a:lnB>
-                    <a:solidFill>
-                      <a:schemeClr val="bg1"/>
-                    </a:solidFill>
-                  </a:tcPr>
-                </a:tc>
-                <a:tc>
-                  <a:txBody>
-                    <a:bodyPr/>
-                    <a:lstStyle/>
-                    <a:p>
-                      <a:pPr latinLnBrk="1"/>
-                      <a:r>
-                        <a:rPr lang="ko-KR" altLang="en-US" dirty="0"/>
-                        <a:t>닫기</a:t>
-                      </a:r>
-                      <a:endParaRPr lang="en-US" altLang="ko-KR" dirty="0"/>
-                    </a:p>
-                    <a:p>
-                      <a:pPr latinLnBrk="1"/>
-                      <a:r>
-                        <a:rPr lang="ko-KR" altLang="en-US" sz="1600" dirty="0"/>
-                        <a:t>  </a:t>
-                      </a:r>
-                      <a:r>
-                        <a:rPr lang="en-US" altLang="ko-KR" sz="1600" dirty="0"/>
-                        <a:t>- </a:t>
-                      </a:r>
-                      <a:r>
-                        <a:rPr lang="ko-KR" altLang="en-US" sz="1600" dirty="0"/>
-                        <a:t>메인 화면으로 이동</a:t>
-                      </a:r>
-                      <a:endParaRPr lang="en-US" altLang="ko-KR" sz="1600" dirty="0"/>
-                    </a:p>
-                  </a:txBody>
-                  <a:tcPr>
-                    <a:lnL w="12700" cap="flat" cmpd="sng" algn="ctr">
-                      <a:solidFill>
-                        <a:schemeClr val="tx1"/>
-                      </a:solidFill>
-                      <a:prstDash val="solid"/>
-                      <a:round/>
-                      <a:headEnd type="none" w="med" len="med"/>
-                      <a:tailEnd type="none" w="med" len="med"/>
-                    </a:lnL>
-                    <a:lnR w="12700" cap="flat" cmpd="sng" algn="ctr">
-                      <a:solidFill>
-                        <a:schemeClr val="tx1"/>
-                      </a:solidFill>
-                      <a:prstDash val="solid"/>
-                      <a:round/>
-                      <a:headEnd type="none" w="med" len="med"/>
-                      <a:tailEnd type="none" w="med" len="med"/>
-                    </a:lnR>
-                    <a:lnT w="12700" cap="flat" cmpd="sng" algn="ctr">
-                      <a:solidFill>
-                        <a:schemeClr val="tx1"/>
-                      </a:solidFill>
-                      <a:prstDash val="solid"/>
-                      <a:round/>
-                      <a:headEnd type="none" w="med" len="med"/>
-                      <a:tailEnd type="none" w="med" len="med"/>
-                    </a:lnT>
-                    <a:lnB w="12700" cap="flat" cmpd="sng" algn="ctr">
-                      <a:solidFill>
-                        <a:schemeClr val="tx1"/>
-                      </a:solidFill>
-                      <a:prstDash val="solid"/>
-                      <a:round/>
-                      <a:headEnd type="none" w="med" len="med"/>
-                      <a:tailEnd type="none" w="med" len="med"/>
-                    </a:lnB>
-                    <a:solidFill>
-                      <a:schemeClr val="bg1"/>
-                    </a:solidFill>
-                  </a:tcPr>
-                </a:tc>
-                <a:extLst>
-                  <a:ext uri="{0D108BD9-81ED-4DB2-BD59-A6C34878D82A}">
-                    <a16:rowId xmlns:a16="http://schemas.microsoft.com/office/drawing/2014/main" val="2823866177"/>
-                  </a:ext>
-                </a:extLst>
-              </a:tr>
-            </a:tbl>
-          </a:graphicData>
-        </a:graphic>
-      </p:graphicFrame>
-      <p:sp>
-        <p:nvSpPr>
-          <p:cNvPr id="4" name="TextBox 3">
-            <a:extLst>
-              <a:ext uri="{FF2B5EF4-FFF2-40B4-BE49-F238E27FC236}">
-                <a16:creationId xmlns:a16="http://schemas.microsoft.com/office/drawing/2014/main" id="{8B1E3861-EF70-4378-A26D-F7E67727A02A}"/>
-              </a:ext>
-            </a:extLst>
-          </p:cNvPr>
-          <p:cNvSpPr txBox="1"/>
-          <p:nvPr/>
-        </p:nvSpPr>
-        <p:spPr>
-          <a:xfrm>
-            <a:off x="357251" y="417010"/>
-            <a:ext cx="2762295" cy="1015663"/>
-          </a:xfrm>
-          <a:prstGeom prst="rect">
-            <a:avLst/>
-          </a:prstGeom>
-          <a:noFill/>
-        </p:spPr>
-        <p:txBody>
-          <a:bodyPr wrap="none" rtlCol="0">
-            <a:spAutoFit/>
-          </a:bodyPr>
-          <a:lstStyle/>
-          <a:p>
-            <a:r>
-              <a:rPr lang="ko-KR" altLang="en-US" sz="3000" dirty="0"/>
-              <a:t>이번 달 총 </a:t>
-            </a:r>
-            <a:endParaRPr lang="en-US" altLang="ko-KR" sz="3000" dirty="0"/>
-          </a:p>
-          <a:p>
-            <a:r>
-              <a:rPr lang="ko-KR" altLang="en-US" sz="3000" dirty="0"/>
-              <a:t>지출 내역 화면</a:t>
-            </a:r>
-          </a:p>
-        </p:txBody>
-      </p:sp>
-      <p:sp>
-        <p:nvSpPr>
-          <p:cNvPr id="12" name="타원 11">
-            <a:extLst>
-              <a:ext uri="{FF2B5EF4-FFF2-40B4-BE49-F238E27FC236}">
-                <a16:creationId xmlns:a16="http://schemas.microsoft.com/office/drawing/2014/main" id="{AAF5DD80-05BE-4690-88C2-F9C881D99294}"/>
-              </a:ext>
-            </a:extLst>
-          </p:cNvPr>
-          <p:cNvSpPr/>
-          <p:nvPr/>
-        </p:nvSpPr>
-        <p:spPr>
-          <a:xfrm>
-            <a:off x="4001537" y="4764267"/>
-            <a:ext cx="216000" cy="216000"/>
-          </a:xfrm>
-          <a:prstGeom prst="ellipse">
-            <a:avLst/>
-          </a:prstGeom>
-        </p:spPr>
-        <p:style>
-          <a:lnRef idx="2">
-            <a:schemeClr val="accent2">
-              <a:shade val="50000"/>
-            </a:schemeClr>
-          </a:lnRef>
-          <a:fillRef idx="1">
-            <a:schemeClr val="accent2"/>
-          </a:fillRef>
-          <a:effectRef idx="0">
-            <a:schemeClr val="accent2"/>
-          </a:effectRef>
-          <a:fontRef idx="minor">
-            <a:schemeClr val="lt1"/>
-          </a:fontRef>
-        </p:style>
-        <p:txBody>
-          <a:bodyPr rtlCol="0" anchor="ctr"/>
-          <a:lstStyle/>
-          <a:p>
-            <a:pPr algn="ctr"/>
-            <a:r>
-              <a:rPr lang="en-US" altLang="ko-KR" sz="1000" dirty="0"/>
-              <a:t>3</a:t>
-            </a:r>
-          </a:p>
-        </p:txBody>
-      </p:sp>
-    </p:spTree>
-    <p:extLst>
-      <p:ext uri="{BB962C8B-B14F-4D97-AF65-F5344CB8AC3E}">
-        <p14:creationId xmlns:p14="http://schemas.microsoft.com/office/powerpoint/2010/main" val="1830825079"/>
-      </p:ext>
-    </p:extLst>
-  </p:cSld>
-  <p:clrMapOvr>
-    <a:masterClrMapping/>
-  </p:clrMapOvr>
-</p:sld>
-</file>
-
 <file path=ppt/slides/slide2.xml><?xml version="1.0" encoding="utf-8"?>
 <p:sld xmlns:a="http://schemas.openxmlformats.org/drawingml/2006/main" xmlns:r="http://schemas.openxmlformats.org/officeDocument/2006/relationships" xmlns:p="http://schemas.openxmlformats.org/presentationml/2006/main">
   <p:cSld>
@@ -4540,7 +3619,7 @@
           <p:nvPr>
             <p:extLst>
               <p:ext uri="{D42A27DB-BD31-4B8C-83A1-F6EECF244321}">
-                <p14:modId xmlns:p14="http://schemas.microsoft.com/office/powerpoint/2010/main" val="3508591160"/>
+                <p14:modId xmlns:p14="http://schemas.microsoft.com/office/powerpoint/2010/main" val="1290043532"/>
               </p:ext>
             </p:extLst>
           </p:nvPr>
@@ -5264,6 +4343,14 @@
                     <a:lstStyle/>
                     <a:p>
                       <a:pPr algn="ctr" latinLnBrk="1"/>
+                      <a:r>
+                        <a:rPr lang="en-US" altLang="ko-KR" sz="1800" b="0">
+                          <a:solidFill>
+                            <a:sysClr val="windowText" lastClr="000000"/>
+                          </a:solidFill>
+                        </a:rPr>
+                        <a:t>2023.04.06</a:t>
+                      </a:r>
                       <a:endParaRPr lang="ko-KR" altLang="en-US" sz="1800" b="0">
                         <a:solidFill>
                           <a:sysClr val="windowText" lastClr="000000"/>
@@ -5326,6 +4413,14 @@
                     <a:lstStyle/>
                     <a:p>
                       <a:pPr algn="ctr" latinLnBrk="1"/>
+                      <a:r>
+                        <a:rPr lang="en-US" altLang="ko-KR" sz="1800" b="0" dirty="0">
+                          <a:solidFill>
+                            <a:sysClr val="windowText" lastClr="000000"/>
+                          </a:solidFill>
+                        </a:rPr>
+                        <a:t>1.2</a:t>
+                      </a:r>
                       <a:endParaRPr lang="ko-KR" altLang="en-US" sz="1800" b="0" dirty="0">
                         <a:solidFill>
                           <a:sysClr val="windowText" lastClr="000000"/>
@@ -5381,11 +4476,14 @@
                     <a:lstStyle/>
                     <a:p>
                       <a:pPr algn="ctr" latinLnBrk="1"/>
-                      <a:endParaRPr lang="ko-KR" altLang="en-US" sz="1800" b="0" dirty="0">
-                        <a:solidFill>
-                          <a:sysClr val="windowText" lastClr="000000"/>
-                        </a:solidFill>
-                      </a:endParaRPr>
+                      <a:r>
+                        <a:rPr lang="ko-KR" altLang="en-US" sz="1800" b="0" dirty="0">
+                          <a:solidFill>
+                            <a:sysClr val="windowText" lastClr="000000"/>
+                          </a:solidFill>
+                        </a:rPr>
+                        <a:t>박정환</a:t>
+                      </a:r>
                     </a:p>
                   </a:txBody>
                   <a:tcPr anchor="ctr">
@@ -5436,11 +4534,14 @@
                     <a:lstStyle/>
                     <a:p>
                       <a:pPr algn="l" latinLnBrk="1"/>
-                      <a:endParaRPr lang="ko-KR" altLang="en-US" sz="1800" b="0" dirty="0">
-                        <a:solidFill>
-                          <a:sysClr val="windowText" lastClr="000000"/>
-                        </a:solidFill>
-                      </a:endParaRPr>
+                      <a:r>
+                        <a:rPr lang="ko-KR" altLang="en-US" sz="1800" b="0" dirty="0">
+                          <a:solidFill>
+                            <a:sysClr val="windowText" lastClr="000000"/>
+                          </a:solidFill>
+                        </a:rPr>
+                        <a:t>앱 디자인 변경 및 기능 변경</a:t>
+                      </a:r>
                     </a:p>
                   </a:txBody>
                   <a:tcPr anchor="ctr">
@@ -5491,7 +4592,15 @@
                     <a:lstStyle/>
                     <a:p>
                       <a:pPr algn="ctr" latinLnBrk="1"/>
-                      <a:endParaRPr lang="ko-KR" altLang="en-US" sz="1800" b="0">
+                      <a:r>
+                        <a:rPr lang="en-US" altLang="ko-KR" sz="1800" b="0" dirty="0">
+                          <a:solidFill>
+                            <a:sysClr val="windowText" lastClr="000000"/>
+                          </a:solidFill>
+                        </a:rPr>
+                        <a:t>2023.06.08</a:t>
+                      </a:r>
+                      <a:endParaRPr lang="ko-KR" altLang="en-US" sz="1800" b="0" dirty="0">
                         <a:solidFill>
                           <a:sysClr val="windowText" lastClr="000000"/>
                         </a:solidFill>
@@ -8489,10 +7598,10 @@
       </p:grpSpPr>
       <p:pic>
         <p:nvPicPr>
-          <p:cNvPr id="3" name="그림 2">
-            <a:extLst>
-              <a:ext uri="{FF2B5EF4-FFF2-40B4-BE49-F238E27FC236}">
-                <a16:creationId xmlns:a16="http://schemas.microsoft.com/office/drawing/2014/main" id="{826F20E5-0303-47F8-8A9E-DE40F7B4B29E}"/>
+          <p:cNvPr id="5" name="그림 4">
+            <a:extLst>
+              <a:ext uri="{FF2B5EF4-FFF2-40B4-BE49-F238E27FC236}">
+                <a16:creationId xmlns:a16="http://schemas.microsoft.com/office/drawing/2014/main" id="{4A4D30E4-AD4A-41F2-AA68-B82AC8DC54B4}"/>
               </a:ext>
             </a:extLst>
           </p:cNvPr>
@@ -8502,21 +7611,15 @@
           <p:nvPr/>
         </p:nvPicPr>
         <p:blipFill>
-          <a:blip r:embed="rId2">
-            <a:extLst>
-              <a:ext uri="{28A0092B-C50C-407E-A947-70E740481C1C}">
-                <a14:useLocalDpi xmlns:a14="http://schemas.microsoft.com/office/drawing/2010/main" val="0"/>
-              </a:ext>
-            </a:extLst>
-          </a:blip>
+          <a:blip r:embed="rId2"/>
           <a:stretch>
             <a:fillRect/>
           </a:stretch>
         </p:blipFill>
         <p:spPr>
           <a:xfrm>
-            <a:off x="3416758" y="0"/>
-            <a:ext cx="3086100" cy="6858000"/>
+            <a:off x="3465591" y="0"/>
+            <a:ext cx="3358702" cy="6858000"/>
           </a:xfrm>
           <a:prstGeom prst="rect">
             <a:avLst/>
@@ -8537,7 +7640,7 @@
         </p:nvSpPr>
         <p:spPr>
           <a:xfrm>
-            <a:off x="4109537" y="720394"/>
+            <a:off x="3607158" y="501060"/>
             <a:ext cx="216000" cy="216000"/>
           </a:xfrm>
           <a:prstGeom prst="ellipse">
@@ -8635,7 +7738,7 @@
         </p:nvSpPr>
         <p:spPr>
           <a:xfrm>
-            <a:off x="4181764" y="3645000"/>
+            <a:off x="3667814" y="3571530"/>
             <a:ext cx="216000" cy="216000"/>
           </a:xfrm>
           <a:prstGeom prst="ellipse">
@@ -8672,10 +7775,10 @@
       </p:sp>
       <p:sp>
         <p:nvSpPr>
-          <p:cNvPr id="17" name="타원 16">
-            <a:extLst>
-              <a:ext uri="{FF2B5EF4-FFF2-40B4-BE49-F238E27FC236}">
-                <a16:creationId xmlns:a16="http://schemas.microsoft.com/office/drawing/2014/main" id="{AB3006FE-11E0-4052-AC87-9B142FE7082F}"/>
+          <p:cNvPr id="18" name="타원 17">
+            <a:extLst>
+              <a:ext uri="{FF2B5EF4-FFF2-40B4-BE49-F238E27FC236}">
+                <a16:creationId xmlns:a16="http://schemas.microsoft.com/office/drawing/2014/main" id="{AAB8C2D1-B65B-4597-A643-81945D0A8EF4}"/>
               </a:ext>
             </a:extLst>
           </p:cNvPr>
@@ -8684,7 +7787,7 @@
         </p:nvSpPr>
         <p:spPr>
           <a:xfrm>
-            <a:off x="4181764" y="4473394"/>
+            <a:off x="3559814" y="4156160"/>
             <a:ext cx="216000" cy="216000"/>
           </a:xfrm>
           <a:prstGeom prst="ellipse">
@@ -8719,55 +7822,6 @@
           </a:p>
         </p:txBody>
       </p:sp>
-      <p:sp>
-        <p:nvSpPr>
-          <p:cNvPr id="18" name="타원 17">
-            <a:extLst>
-              <a:ext uri="{FF2B5EF4-FFF2-40B4-BE49-F238E27FC236}">
-                <a16:creationId xmlns:a16="http://schemas.microsoft.com/office/drawing/2014/main" id="{AAB8C2D1-B65B-4597-A643-81945D0A8EF4}"/>
-              </a:ext>
-            </a:extLst>
-          </p:cNvPr>
-          <p:cNvSpPr/>
-          <p:nvPr/>
-        </p:nvSpPr>
-        <p:spPr>
-          <a:xfrm>
-            <a:off x="3965764" y="5665697"/>
-            <a:ext cx="216000" cy="216000"/>
-          </a:xfrm>
-          <a:prstGeom prst="ellipse">
-            <a:avLst/>
-          </a:prstGeom>
-        </p:spPr>
-        <p:style>
-          <a:lnRef idx="2">
-            <a:schemeClr val="accent2">
-              <a:shade val="50000"/>
-            </a:schemeClr>
-          </a:lnRef>
-          <a:fillRef idx="1">
-            <a:schemeClr val="accent2"/>
-          </a:fillRef>
-          <a:effectRef idx="0">
-            <a:schemeClr val="accent2"/>
-          </a:effectRef>
-          <a:fontRef idx="minor">
-            <a:schemeClr val="lt1"/>
-          </a:fontRef>
-        </p:style>
-        <p:txBody>
-          <a:bodyPr rtlCol="0" anchor="ctr"/>
-          <a:lstStyle/>
-          <a:p>
-            <a:pPr algn="ctr"/>
-            <a:r>
-              <a:rPr lang="en-US" altLang="ko-KR" sz="1000" dirty="0"/>
-              <a:t>5</a:t>
-            </a:r>
-          </a:p>
-        </p:txBody>
-      </p:sp>
       <p:graphicFrame>
         <p:nvGraphicFramePr>
           <p:cNvPr id="21" name="표 21">
@@ -8783,14 +7837,14 @@
           <p:nvPr>
             <p:extLst>
               <p:ext uri="{D42A27DB-BD31-4B8C-83A1-F6EECF244321}">
-                <p14:modId xmlns:p14="http://schemas.microsoft.com/office/powerpoint/2010/main" val="20338783"/>
+                <p14:modId xmlns:p14="http://schemas.microsoft.com/office/powerpoint/2010/main" val="409066307"/>
               </p:ext>
             </p:extLst>
           </p:nvPr>
         </p:nvGraphicFramePr>
         <p:xfrm>
           <a:off x="8211952" y="417010"/>
-          <a:ext cx="3539893" cy="5103918"/>
+          <a:ext cx="3539893" cy="4568358"/>
         </p:xfrm>
         <a:graphic>
           <a:graphicData uri="http://schemas.openxmlformats.org/drawingml/2006/table">
@@ -8959,7 +8013,7 @@
                       </a:r>
                       <a:r>
                         <a:rPr lang="ko-KR" altLang="en-US" sz="1600" dirty="0"/>
-                        <a:t>오늘 날에 맞는 가계부 작성장으로 이동</a:t>
+                        <a:t>달력에서 누른 날짜를 표시</a:t>
                       </a:r>
                     </a:p>
                   </a:txBody>
@@ -9147,135 +8201,6 @@
                   </a:ext>
                 </a:extLst>
               </a:tr>
-              <a:tr h="685800">
-                <a:tc>
-                  <a:txBody>
-                    <a:bodyPr/>
-                    <a:lstStyle/>
-                    <a:p>
-                      <a:pPr algn="ctr" latinLnBrk="1"/>
-                      <a:r>
-                        <a:rPr lang="en-US" altLang="ko-KR" dirty="0"/>
-                        <a:t>2-1</a:t>
-                      </a:r>
-                      <a:endParaRPr lang="ko-KR" altLang="en-US" dirty="0"/>
-                    </a:p>
-                  </a:txBody>
-                  <a:tcPr anchor="ctr">
-                    <a:lnL w="12700" cap="flat" cmpd="sng" algn="ctr">
-                      <a:solidFill>
-                        <a:schemeClr val="tx1"/>
-                      </a:solidFill>
-                      <a:prstDash val="solid"/>
-                      <a:round/>
-                      <a:headEnd type="none" w="med" len="med"/>
-                      <a:tailEnd type="none" w="med" len="med"/>
-                    </a:lnL>
-                    <a:lnR w="12700" cap="flat" cmpd="sng" algn="ctr">
-                      <a:solidFill>
-                        <a:schemeClr val="tx1"/>
-                      </a:solidFill>
-                      <a:prstDash val="solid"/>
-                      <a:round/>
-                      <a:headEnd type="none" w="med" len="med"/>
-                      <a:tailEnd type="none" w="med" len="med"/>
-                    </a:lnR>
-                    <a:lnT w="12700" cap="flat" cmpd="sng" algn="ctr">
-                      <a:solidFill>
-                        <a:schemeClr val="tx1"/>
-                      </a:solidFill>
-                      <a:prstDash val="solid"/>
-                      <a:round/>
-                      <a:headEnd type="none" w="med" len="med"/>
-                      <a:tailEnd type="none" w="med" len="med"/>
-                    </a:lnT>
-                    <a:lnB w="12700" cap="flat" cmpd="sng" algn="ctr">
-                      <a:solidFill>
-                        <a:schemeClr val="tx1"/>
-                      </a:solidFill>
-                      <a:prstDash val="solid"/>
-                      <a:round/>
-                      <a:headEnd type="none" w="med" len="med"/>
-                      <a:tailEnd type="none" w="med" len="med"/>
-                    </a:lnB>
-                    <a:solidFill>
-                      <a:schemeClr val="bg1"/>
-                    </a:solidFill>
-                  </a:tcPr>
-                </a:tc>
-                <a:tc>
-                  <a:txBody>
-                    <a:bodyPr/>
-                    <a:lstStyle/>
-                    <a:p>
-                      <a:pPr latinLnBrk="1"/>
-                      <a:r>
-                        <a:rPr lang="ko-KR" altLang="en-US" sz="1800" dirty="0"/>
-                        <a:t>특수 가계부</a:t>
-                      </a:r>
-                      <a:endParaRPr lang="en-US" altLang="ko-KR" sz="1800" dirty="0"/>
-                    </a:p>
-                    <a:p>
-                      <a:pPr latinLnBrk="1"/>
-                      <a:r>
-                        <a:rPr lang="en-US" altLang="ko-KR" sz="1600" dirty="0"/>
-                        <a:t>  - </a:t>
-                      </a:r>
-                      <a:r>
-                        <a:rPr lang="ko-KR" altLang="en-US" sz="1600" dirty="0"/>
-                        <a:t>특수 가계부 작성장으로 이동</a:t>
-                      </a:r>
-                      <a:endParaRPr lang="en-US" altLang="ko-KR" sz="1600" dirty="0"/>
-                    </a:p>
-                  </a:txBody>
-                  <a:tcPr>
-                    <a:lnL w="12700" cap="flat" cmpd="sng" algn="ctr">
-                      <a:solidFill>
-                        <a:schemeClr val="tx1"/>
-                      </a:solidFill>
-                      <a:prstDash val="solid"/>
-                      <a:round/>
-                      <a:headEnd type="none" w="med" len="med"/>
-                      <a:tailEnd type="none" w="med" len="med"/>
-                    </a:lnL>
-                    <a:lnR w="12700" cap="flat" cmpd="sng" algn="ctr">
-                      <a:solidFill>
-                        <a:schemeClr val="tx1"/>
-                      </a:solidFill>
-                      <a:prstDash val="solid"/>
-                      <a:round/>
-                      <a:headEnd type="none" w="med" len="med"/>
-                      <a:tailEnd type="none" w="med" len="med"/>
-                    </a:lnR>
-                    <a:lnT w="12700" cap="flat" cmpd="sng" algn="ctr">
-                      <a:solidFill>
-                        <a:schemeClr val="tx1"/>
-                      </a:solidFill>
-                      <a:prstDash val="solid"/>
-                      <a:round/>
-                      <a:headEnd type="none" w="med" len="med"/>
-                      <a:tailEnd type="none" w="med" len="med"/>
-                    </a:lnT>
-                    <a:lnB w="12700" cap="flat" cmpd="sng" algn="ctr">
-                      <a:solidFill>
-                        <a:schemeClr val="tx1"/>
-                      </a:solidFill>
-                      <a:prstDash val="solid"/>
-                      <a:round/>
-                      <a:headEnd type="none" w="med" len="med"/>
-                      <a:tailEnd type="none" w="med" len="med"/>
-                    </a:lnB>
-                    <a:solidFill>
-                      <a:schemeClr val="bg1"/>
-                    </a:solidFill>
-                  </a:tcPr>
-                </a:tc>
-                <a:extLst>
-                  <a:ext uri="{0D108BD9-81ED-4DB2-BD59-A6C34878D82A}">
-                    <a16:rowId xmlns:a16="http://schemas.microsoft.com/office/drawing/2014/main" val="2708506169"/>
-                  </a:ext>
-                </a:extLst>
-              </a:tr>
               <a:tr h="423078">
                 <a:tc>
                   <a:txBody>
@@ -9284,7 +8209,7 @@
                     <a:p>
                       <a:pPr algn="ctr" latinLnBrk="1"/>
                       <a:r>
-                        <a:rPr lang="en-US" altLang="ko-KR" dirty="0"/>
+                        <a:rPr lang="en-US" altLang="ko-KR"/>
                         <a:t>3</a:t>
                       </a:r>
                       <a:endParaRPr lang="ko-KR" altLang="en-US" dirty="0"/>
@@ -9340,7 +8265,31 @@
                       <a:pPr latinLnBrk="1"/>
                       <a:r>
                         <a:rPr lang="ko-KR" altLang="en-US" dirty="0"/>
-                        <a:t>이번 달 수익</a:t>
+                        <a:t>이번 달 수익 및 지출</a:t>
+                      </a:r>
+                      <a:endParaRPr lang="en-US" altLang="ko-KR" dirty="0"/>
+                    </a:p>
+                    <a:p>
+                      <a:pPr latinLnBrk="1"/>
+                      <a:r>
+                        <a:rPr lang="en-US" altLang="ko-KR" dirty="0"/>
+                        <a:t> </a:t>
+                      </a:r>
+                      <a:r>
+                        <a:rPr lang="en-US" altLang="ko-KR" sz="1600" dirty="0"/>
+                        <a:t>- </a:t>
+                      </a:r>
+                      <a:r>
+                        <a:rPr lang="ko-KR" altLang="en-US" sz="1600" dirty="0"/>
+                        <a:t>이번 달의 수익과 지출을 보여 주며 클릭 시 상세 수익</a:t>
+                      </a:r>
+                      <a:r>
+                        <a:rPr lang="en-US" altLang="ko-KR" sz="1600" dirty="0"/>
+                        <a:t>, </a:t>
+                      </a:r>
+                      <a:r>
+                        <a:rPr lang="ko-KR" altLang="en-US" sz="1600" dirty="0"/>
+                        <a:t>지출 시트 생성</a:t>
                       </a:r>
                     </a:p>
                   </a:txBody>
@@ -9456,7 +8405,7 @@
                       <a:pPr latinLnBrk="1"/>
                       <a:r>
                         <a:rPr lang="ko-KR" altLang="en-US" dirty="0"/>
-                        <a:t>이번 달 지출</a:t>
+                        <a:t>달력에서 선택한 날짜의 수입 및 지출을 표시</a:t>
                       </a:r>
                       <a:endParaRPr lang="en-US" altLang="ko-KR" dirty="0"/>
                     </a:p>
@@ -9518,7 +8467,7 @@
                       <a:pPr algn="ctr" latinLnBrk="1"/>
                       <a:r>
                         <a:rPr lang="en-US" altLang="ko-KR" dirty="0"/>
-                        <a:t>4-1</a:t>
+                        <a:t>5</a:t>
                       </a:r>
                       <a:endParaRPr lang="ko-KR" altLang="en-US" dirty="0"/>
                     </a:p>
@@ -9573,25 +8522,9 @@
                       <a:pPr latinLnBrk="1"/>
                       <a:r>
                         <a:rPr lang="ko-KR" altLang="en-US" dirty="0"/>
-                        <a:t>자세히 보기</a:t>
+                        <a:t>선택한 날짜의 수입 및 지출을 추가</a:t>
                       </a:r>
                       <a:endParaRPr lang="en-US" altLang="ko-KR" dirty="0"/>
-                    </a:p>
-                    <a:p>
-                      <a:pPr latinLnBrk="1"/>
-                      <a:r>
-                        <a:rPr lang="en-US" altLang="ko-KR" dirty="0"/>
-                        <a:t>  </a:t>
-                      </a:r>
-                      <a:r>
-                        <a:rPr lang="en-US" altLang="ko-KR" sz="1600" dirty="0"/>
-                        <a:t>- </a:t>
-                      </a:r>
-                      <a:r>
-                        <a:rPr lang="ko-KR" altLang="en-US" sz="1600" dirty="0"/>
-                        <a:t>분류 별로 나누어진 지출표로 이동</a:t>
-                      </a:r>
-                      <a:endParaRPr lang="en-US" altLang="ko-KR" sz="1600" dirty="0"/>
                     </a:p>
                   </a:txBody>
                   <a:tcPr>
@@ -9638,123 +8571,7 @@
                 </a:tc>
                 <a:extLst>
                   <a:ext uri="{0D108BD9-81ED-4DB2-BD59-A6C34878D82A}">
-                    <a16:rowId xmlns:a16="http://schemas.microsoft.com/office/drawing/2014/main" val="2926930218"/>
-                  </a:ext>
-                </a:extLst>
-              </a:tr>
-              <a:tr h="417282">
-                <a:tc>
-                  <a:txBody>
-                    <a:bodyPr/>
-                    <a:lstStyle/>
-                    <a:p>
-                      <a:pPr algn="ctr" latinLnBrk="1"/>
-                      <a:r>
-                        <a:rPr lang="en-US" altLang="ko-KR" dirty="0"/>
-                        <a:t>5</a:t>
-                      </a:r>
-                      <a:endParaRPr lang="ko-KR" altLang="en-US" dirty="0"/>
-                    </a:p>
-                  </a:txBody>
-                  <a:tcPr anchor="ctr">
-                    <a:lnL w="12700" cap="flat" cmpd="sng" algn="ctr">
-                      <a:solidFill>
-                        <a:schemeClr val="tx1"/>
-                      </a:solidFill>
-                      <a:prstDash val="solid"/>
-                      <a:round/>
-                      <a:headEnd type="none" w="med" len="med"/>
-                      <a:tailEnd type="none" w="med" len="med"/>
-                    </a:lnL>
-                    <a:lnR w="12700" cap="flat" cmpd="sng" algn="ctr">
-                      <a:solidFill>
-                        <a:schemeClr val="tx1"/>
-                      </a:solidFill>
-                      <a:prstDash val="solid"/>
-                      <a:round/>
-                      <a:headEnd type="none" w="med" len="med"/>
-                      <a:tailEnd type="none" w="med" len="med"/>
-                    </a:lnR>
-                    <a:lnT w="12700" cap="flat" cmpd="sng" algn="ctr">
-                      <a:solidFill>
-                        <a:schemeClr val="tx1"/>
-                      </a:solidFill>
-                      <a:prstDash val="solid"/>
-                      <a:round/>
-                      <a:headEnd type="none" w="med" len="med"/>
-                      <a:tailEnd type="none" w="med" len="med"/>
-                    </a:lnT>
-                    <a:lnB w="12700" cap="flat" cmpd="sng" algn="ctr">
-                      <a:solidFill>
-                        <a:schemeClr val="tx1"/>
-                      </a:solidFill>
-                      <a:prstDash val="solid"/>
-                      <a:round/>
-                      <a:headEnd type="none" w="med" len="med"/>
-                      <a:tailEnd type="none" w="med" len="med"/>
-                    </a:lnB>
-                    <a:solidFill>
-                      <a:schemeClr val="bg1"/>
-                    </a:solidFill>
-                  </a:tcPr>
-                </a:tc>
-                <a:tc>
-                  <a:txBody>
-                    <a:bodyPr/>
-                    <a:lstStyle/>
-                    <a:p>
-                      <a:pPr latinLnBrk="1"/>
-                      <a:r>
-                        <a:rPr lang="ko-KR" altLang="en-US" dirty="0"/>
-                        <a:t>이번 달 잔여 금액</a:t>
-                      </a:r>
-                    </a:p>
-                  </a:txBody>
-                  <a:tcPr>
-                    <a:lnL w="12700" cap="flat" cmpd="sng" algn="ctr">
-                      <a:solidFill>
-                        <a:schemeClr val="tx1"/>
-                      </a:solidFill>
-                      <a:prstDash val="solid"/>
-                      <a:round/>
-                      <a:headEnd type="none" w="med" len="med"/>
-                      <a:tailEnd type="none" w="med" len="med"/>
-                    </a:lnL>
-                    <a:lnR w="12700" cap="flat" cmpd="sng" algn="ctr">
-                      <a:solidFill>
-                        <a:schemeClr val="tx1"/>
-                      </a:solidFill>
-                      <a:prstDash val="solid"/>
-                      <a:round/>
-                      <a:headEnd type="none" w="med" len="med"/>
-                      <a:tailEnd type="none" w="med" len="med"/>
-                    </a:lnR>
-                    <a:lnT w="12700" cap="flat" cmpd="sng" algn="ctr">
-                      <a:solidFill>
-                        <a:schemeClr val="tx1"/>
-                      </a:solidFill>
-                      <a:prstDash val="solid"/>
-                      <a:round/>
-                      <a:headEnd type="none" w="med" len="med"/>
-                      <a:tailEnd type="none" w="med" len="med"/>
-                    </a:lnT>
-                    <a:lnB w="12700" cap="flat" cmpd="sng" algn="ctr">
-                      <a:solidFill>
-                        <a:schemeClr val="tx1"/>
-                      </a:solidFill>
-                      <a:prstDash val="solid"/>
-                      <a:round/>
-                      <a:headEnd type="none" w="med" len="med"/>
-                      <a:tailEnd type="none" w="med" len="med"/>
-                    </a:lnB>
-                    <a:solidFill>
-                      <a:schemeClr val="bg1"/>
-                    </a:solidFill>
-                  </a:tcPr>
-                </a:tc>
-                <a:extLst>
-                  <a:ext uri="{0D108BD9-81ED-4DB2-BD59-A6C34878D82A}">
-                    <a16:rowId xmlns:a16="http://schemas.microsoft.com/office/drawing/2014/main" val="1791893148"/>
+                    <a16:rowId xmlns:a16="http://schemas.microsoft.com/office/drawing/2014/main" val="2893129433"/>
                   </a:ext>
                 </a:extLst>
               </a:tr>
@@ -9799,10 +8616,10 @@
       </p:sp>
       <p:sp>
         <p:nvSpPr>
-          <p:cNvPr id="19" name="타원 18">
-            <a:extLst>
-              <a:ext uri="{FF2B5EF4-FFF2-40B4-BE49-F238E27FC236}">
-                <a16:creationId xmlns:a16="http://schemas.microsoft.com/office/drawing/2014/main" id="{A641ED24-F66F-4317-B6E6-475B5E1BBDC4}"/>
+          <p:cNvPr id="22" name="타원 21">
+            <a:extLst>
+              <a:ext uri="{FF2B5EF4-FFF2-40B4-BE49-F238E27FC236}">
+                <a16:creationId xmlns:a16="http://schemas.microsoft.com/office/drawing/2014/main" id="{9FBE9CC9-26A9-4A09-9FCE-9AAD796BEE22}"/>
               </a:ext>
             </a:extLst>
           </p:cNvPr>
@@ -9811,8 +8628,8 @@
         </p:nvSpPr>
         <p:spPr>
           <a:xfrm>
-            <a:off x="6022652" y="3341308"/>
-            <a:ext cx="299699" cy="361165"/>
+            <a:off x="5988000" y="5894079"/>
+            <a:ext cx="216000" cy="216000"/>
           </a:xfrm>
           <a:prstGeom prst="ellipse">
             <a:avLst/>
@@ -9839,141 +8656,10 @@
           <a:lstStyle/>
           <a:p>
             <a:pPr algn="ctr"/>
-            <a:endParaRPr lang="en-US" altLang="ko-KR" sz="1000" dirty="0"/>
-          </a:p>
-        </p:txBody>
-      </p:sp>
-      <p:sp>
-        <p:nvSpPr>
-          <p:cNvPr id="20" name="TextBox 19">
-            <a:extLst>
-              <a:ext uri="{FF2B5EF4-FFF2-40B4-BE49-F238E27FC236}">
-                <a16:creationId xmlns:a16="http://schemas.microsoft.com/office/drawing/2014/main" id="{FDCD61C0-D1B0-4211-8CE1-9ECAB28AD7DD}"/>
-              </a:ext>
-            </a:extLst>
-          </p:cNvPr>
-          <p:cNvSpPr txBox="1"/>
-          <p:nvPr/>
-        </p:nvSpPr>
-        <p:spPr>
-          <a:xfrm>
-            <a:off x="5989547" y="3398779"/>
-            <a:ext cx="378630" cy="246221"/>
-          </a:xfrm>
-          <a:prstGeom prst="rect">
-            <a:avLst/>
-          </a:prstGeom>
-          <a:noFill/>
-        </p:spPr>
-        <p:txBody>
-          <a:bodyPr wrap="none" rtlCol="0">
-            <a:spAutoFit/>
-          </a:bodyPr>
-          <a:lstStyle/>
-          <a:p>
             <a:r>
-              <a:rPr lang="en-US" altLang="ko-KR" sz="1000" dirty="0">
-                <a:solidFill>
-                  <a:schemeClr val="bg1"/>
-                </a:solidFill>
-              </a:rPr>
-              <a:t>2-1</a:t>
+              <a:rPr lang="en-US" altLang="ko-KR" sz="1000" dirty="0"/>
+              <a:t>5</a:t>
             </a:r>
-            <a:endParaRPr lang="ko-KR" altLang="en-US" sz="1000" dirty="0">
-              <a:solidFill>
-                <a:schemeClr val="bg1"/>
-              </a:solidFill>
-            </a:endParaRPr>
-          </a:p>
-        </p:txBody>
-      </p:sp>
-      <p:sp>
-        <p:nvSpPr>
-          <p:cNvPr id="23" name="타원 22">
-            <a:extLst>
-              <a:ext uri="{FF2B5EF4-FFF2-40B4-BE49-F238E27FC236}">
-                <a16:creationId xmlns:a16="http://schemas.microsoft.com/office/drawing/2014/main" id="{80D55241-274F-4FAB-A467-08185952E8F3}"/>
-              </a:ext>
-            </a:extLst>
-          </p:cNvPr>
-          <p:cNvSpPr/>
-          <p:nvPr/>
-        </p:nvSpPr>
-        <p:spPr>
-          <a:xfrm>
-            <a:off x="5178047" y="5300321"/>
-            <a:ext cx="299699" cy="361165"/>
-          </a:xfrm>
-          <a:prstGeom prst="ellipse">
-            <a:avLst/>
-          </a:prstGeom>
-        </p:spPr>
-        <p:style>
-          <a:lnRef idx="2">
-            <a:schemeClr val="accent2">
-              <a:shade val="50000"/>
-            </a:schemeClr>
-          </a:lnRef>
-          <a:fillRef idx="1">
-            <a:schemeClr val="accent2"/>
-          </a:fillRef>
-          <a:effectRef idx="0">
-            <a:schemeClr val="accent2"/>
-          </a:effectRef>
-          <a:fontRef idx="minor">
-            <a:schemeClr val="lt1"/>
-          </a:fontRef>
-        </p:style>
-        <p:txBody>
-          <a:bodyPr rtlCol="0" anchor="ctr"/>
-          <a:lstStyle/>
-          <a:p>
-            <a:pPr algn="ctr"/>
-            <a:endParaRPr lang="en-US" altLang="ko-KR" sz="1000" dirty="0"/>
-          </a:p>
-        </p:txBody>
-      </p:sp>
-      <p:sp>
-        <p:nvSpPr>
-          <p:cNvPr id="24" name="TextBox 23">
-            <a:extLst>
-              <a:ext uri="{FF2B5EF4-FFF2-40B4-BE49-F238E27FC236}">
-                <a16:creationId xmlns:a16="http://schemas.microsoft.com/office/drawing/2014/main" id="{EBF4F00F-80AC-442D-A841-B1F550B2AE14}"/>
-              </a:ext>
-            </a:extLst>
-          </p:cNvPr>
-          <p:cNvSpPr txBox="1"/>
-          <p:nvPr/>
-        </p:nvSpPr>
-        <p:spPr>
-          <a:xfrm>
-            <a:off x="5144942" y="5357792"/>
-            <a:ext cx="378630" cy="246221"/>
-          </a:xfrm>
-          <a:prstGeom prst="rect">
-            <a:avLst/>
-          </a:prstGeom>
-          <a:noFill/>
-        </p:spPr>
-        <p:txBody>
-          <a:bodyPr wrap="none" rtlCol="0">
-            <a:spAutoFit/>
-          </a:bodyPr>
-          <a:lstStyle/>
-          <a:p>
-            <a:r>
-              <a:rPr lang="en-US" altLang="ko-KR" sz="1000" dirty="0">
-                <a:solidFill>
-                  <a:schemeClr val="bg1"/>
-                </a:solidFill>
-              </a:rPr>
-              <a:t>4-1</a:t>
-            </a:r>
-            <a:endParaRPr lang="ko-KR" altLang="en-US" sz="1000" dirty="0">
-              <a:solidFill>
-                <a:schemeClr val="bg1"/>
-              </a:solidFill>
-            </a:endParaRPr>
           </a:p>
         </p:txBody>
       </p:sp>
@@ -10009,10 +8695,10 @@
       </p:grpSpPr>
       <p:pic>
         <p:nvPicPr>
-          <p:cNvPr id="5" name="그림 4">
-            <a:extLst>
-              <a:ext uri="{FF2B5EF4-FFF2-40B4-BE49-F238E27FC236}">
-                <a16:creationId xmlns:a16="http://schemas.microsoft.com/office/drawing/2014/main" id="{89835B37-7C86-429D-9E5F-6ECB2983D34A}"/>
+          <p:cNvPr id="3" name="그림 2">
+            <a:extLst>
+              <a:ext uri="{FF2B5EF4-FFF2-40B4-BE49-F238E27FC236}">
+                <a16:creationId xmlns:a16="http://schemas.microsoft.com/office/drawing/2014/main" id="{E11EC837-655D-4360-8087-3EDA0EC079A2}"/>
               </a:ext>
             </a:extLst>
           </p:cNvPr>
@@ -10022,21 +8708,15 @@
           <p:nvPr/>
         </p:nvPicPr>
         <p:blipFill>
-          <a:blip r:embed="rId2">
-            <a:extLst>
-              <a:ext uri="{28A0092B-C50C-407E-A947-70E740481C1C}">
-                <a14:useLocalDpi xmlns:a14="http://schemas.microsoft.com/office/drawing/2010/main" val="0"/>
-              </a:ext>
-            </a:extLst>
-          </a:blip>
+          <a:blip r:embed="rId2"/>
           <a:stretch>
             <a:fillRect/>
           </a:stretch>
         </p:blipFill>
         <p:spPr>
           <a:xfrm>
-            <a:off x="3416758" y="0"/>
-            <a:ext cx="3086100" cy="6858000"/>
+            <a:off x="3698818" y="0"/>
+            <a:ext cx="3260873" cy="6858000"/>
           </a:xfrm>
           <a:prstGeom prst="rect">
             <a:avLst/>
@@ -10057,7 +8737,7 @@
         </p:nvSpPr>
         <p:spPr>
           <a:xfrm>
-            <a:off x="4109537" y="720394"/>
+            <a:off x="3698818" y="4465048"/>
             <a:ext cx="216000" cy="216000"/>
           </a:xfrm>
           <a:prstGeom prst="ellipse">
@@ -10106,7 +8786,7 @@
         </p:nvSpPr>
         <p:spPr>
           <a:xfrm>
-            <a:off x="3482818" y="1413552"/>
+            <a:off x="5221254" y="4465048"/>
             <a:ext cx="216000" cy="216000"/>
           </a:xfrm>
           <a:prstGeom prst="ellipse">
@@ -10155,7 +8835,7 @@
         </p:nvSpPr>
         <p:spPr>
           <a:xfrm>
-            <a:off x="3482818" y="2504097"/>
+            <a:off x="3698818" y="5230519"/>
             <a:ext cx="216000" cy="216000"/>
           </a:xfrm>
           <a:prstGeom prst="ellipse">
@@ -10192,10 +8872,10 @@
       </p:sp>
       <p:sp>
         <p:nvSpPr>
-          <p:cNvPr id="17" name="타원 16">
-            <a:extLst>
-              <a:ext uri="{FF2B5EF4-FFF2-40B4-BE49-F238E27FC236}">
-                <a16:creationId xmlns:a16="http://schemas.microsoft.com/office/drawing/2014/main" id="{AB3006FE-11E0-4052-AC87-9B142FE7082F}"/>
+          <p:cNvPr id="18" name="타원 17">
+            <a:extLst>
+              <a:ext uri="{FF2B5EF4-FFF2-40B4-BE49-F238E27FC236}">
+                <a16:creationId xmlns:a16="http://schemas.microsoft.com/office/drawing/2014/main" id="{AAB8C2D1-B65B-4597-A643-81945D0A8EF4}"/>
               </a:ext>
             </a:extLst>
           </p:cNvPr>
@@ -10204,53 +8884,7 @@
         </p:nvSpPr>
         <p:spPr>
           <a:xfrm>
-            <a:off x="4286131" y="3536032"/>
-            <a:ext cx="299699" cy="361165"/>
-          </a:xfrm>
-          <a:prstGeom prst="ellipse">
-            <a:avLst/>
-          </a:prstGeom>
-        </p:spPr>
-        <p:style>
-          <a:lnRef idx="2">
-            <a:schemeClr val="accent2">
-              <a:shade val="50000"/>
-            </a:schemeClr>
-          </a:lnRef>
-          <a:fillRef idx="1">
-            <a:schemeClr val="accent2"/>
-          </a:fillRef>
-          <a:effectRef idx="0">
-            <a:schemeClr val="accent2"/>
-          </a:effectRef>
-          <a:fontRef idx="minor">
-            <a:schemeClr val="lt1"/>
-          </a:fontRef>
-        </p:style>
-        <p:txBody>
-          <a:bodyPr rtlCol="0" anchor="ctr"/>
-          <a:lstStyle/>
-          <a:p>
-            <a:pPr algn="ctr"/>
-            <a:endParaRPr lang="en-US" altLang="ko-KR" sz="1000" dirty="0"/>
-          </a:p>
-        </p:txBody>
-      </p:sp>
-      <p:sp>
-        <p:nvSpPr>
-          <p:cNvPr id="18" name="타원 17">
-            <a:extLst>
-              <a:ext uri="{FF2B5EF4-FFF2-40B4-BE49-F238E27FC236}">
-                <a16:creationId xmlns:a16="http://schemas.microsoft.com/office/drawing/2014/main" id="{AAB8C2D1-B65B-4597-A643-81945D0A8EF4}"/>
-              </a:ext>
-            </a:extLst>
-          </p:cNvPr>
-          <p:cNvSpPr/>
-          <p:nvPr/>
-        </p:nvSpPr>
-        <p:spPr>
-          <a:xfrm>
-            <a:off x="4253026" y="6029606"/>
+            <a:off x="3698818" y="5936259"/>
             <a:ext cx="216000" cy="216000"/>
           </a:xfrm>
           <a:prstGeom prst="ellipse">
@@ -10300,14 +8934,14 @@
           <p:nvPr>
             <p:extLst>
               <p:ext uri="{D42A27DB-BD31-4B8C-83A1-F6EECF244321}">
-                <p14:modId xmlns:p14="http://schemas.microsoft.com/office/powerpoint/2010/main" val="61468961"/>
+                <p14:modId xmlns:p14="http://schemas.microsoft.com/office/powerpoint/2010/main" val="624703274"/>
               </p:ext>
             </p:extLst>
           </p:nvPr>
         </p:nvGraphicFramePr>
         <p:xfrm>
           <a:off x="8211952" y="417010"/>
-          <a:ext cx="3539893" cy="3587436"/>
+          <a:ext cx="3539893" cy="3140481"/>
         </p:xfrm>
         <a:graphic>
           <a:graphicData uri="http://schemas.openxmlformats.org/drawingml/2006/table">
@@ -10400,7 +9034,7 @@
                   </a:ext>
                 </a:extLst>
               </a:tr>
-              <a:tr h="423078">
+              <a:tr h="644763">
                 <a:tc>
                   <a:txBody>
                     <a:bodyPr/>
@@ -10464,7 +9098,19 @@
                       <a:pPr latinLnBrk="1"/>
                       <a:r>
                         <a:rPr lang="ko-KR" altLang="en-US" b="0" dirty="0"/>
-                        <a:t>오늘 날짜</a:t>
+                        <a:t>분류</a:t>
+                      </a:r>
+                      <a:endParaRPr lang="en-US" altLang="ko-KR" b="0" dirty="0"/>
+                    </a:p>
+                    <a:p>
+                      <a:pPr latinLnBrk="1"/>
+                      <a:r>
+                        <a:rPr lang="en-US" altLang="ko-KR" b="0" dirty="0"/>
+                        <a:t> - </a:t>
+                      </a:r>
+                      <a:r>
+                        <a:rPr lang="ko-KR" altLang="en-US" b="0" dirty="0"/>
+                        <a:t>수입 및 지출을 선택</a:t>
                       </a:r>
                     </a:p>
                   </a:txBody>
@@ -10516,7 +9162,7 @@
                   </a:ext>
                 </a:extLst>
               </a:tr>
-              <a:tr h="424800">
+              <a:tr h="853440">
                 <a:tc>
                   <a:txBody>
                     <a:bodyPr/>
@@ -10580,7 +9226,19 @@
                       <a:pPr latinLnBrk="1"/>
                       <a:r>
                         <a:rPr lang="ko-KR" altLang="en-US" dirty="0"/>
-                        <a:t>이번 달 수익</a:t>
+                        <a:t>내용</a:t>
+                      </a:r>
+                      <a:endParaRPr lang="en-US" altLang="ko-KR" dirty="0"/>
+                    </a:p>
+                    <a:p>
+                      <a:pPr latinLnBrk="1"/>
+                      <a:r>
+                        <a:rPr lang="en-US" altLang="ko-KR" sz="1600" dirty="0"/>
+                        <a:t> - </a:t>
+                      </a:r>
+                      <a:r>
+                        <a:rPr lang="ko-KR" altLang="en-US" sz="1600" dirty="0"/>
+                        <a:t>수입 혹은 지출의 내용을 선택</a:t>
                       </a:r>
                       <a:endParaRPr lang="en-US" altLang="ko-KR" sz="1600" dirty="0"/>
                     </a:p>
@@ -10633,7 +9291,7 @@
                   </a:ext>
                 </a:extLst>
               </a:tr>
-              <a:tr h="685800">
+              <a:tr h="330456">
                 <a:tc>
                   <a:txBody>
                     <a:bodyPr/>
@@ -10697,21 +9355,9 @@
                       <a:pPr latinLnBrk="1"/>
                       <a:r>
                         <a:rPr lang="ko-KR" altLang="en-US" sz="1800" dirty="0"/>
-                        <a:t>오늘의 지출</a:t>
+                        <a:t>금액을 작성</a:t>
                       </a:r>
                       <a:endParaRPr lang="en-US" altLang="ko-KR" sz="1800" dirty="0"/>
-                    </a:p>
-                    <a:p>
-                      <a:pPr latinLnBrk="1"/>
-                      <a:r>
-                        <a:rPr lang="en-US" altLang="ko-KR" sz="1600" dirty="0"/>
-                        <a:t>  - </a:t>
-                      </a:r>
-                      <a:r>
-                        <a:rPr lang="ko-KR" altLang="en-US" sz="1600" dirty="0"/>
-                        <a:t>분류 별로 오늘의 지출이 출력</a:t>
-                      </a:r>
-                      <a:endParaRPr lang="en-US" altLang="ko-KR" sz="1600" dirty="0"/>
                     </a:p>
                   </a:txBody>
                   <a:tcPr>
@@ -10762,135 +9408,7 @@
                   </a:ext>
                 </a:extLst>
               </a:tr>
-              <a:tr h="423078">
-                <a:tc>
-                  <a:txBody>
-                    <a:bodyPr/>
-                    <a:lstStyle/>
-                    <a:p>
-                      <a:pPr algn="ctr" latinLnBrk="1"/>
-                      <a:r>
-                        <a:rPr lang="en-US" altLang="ko-KR" dirty="0"/>
-                        <a:t>3-1</a:t>
-                      </a:r>
-                      <a:endParaRPr lang="ko-KR" altLang="en-US" dirty="0"/>
-                    </a:p>
-                  </a:txBody>
-                  <a:tcPr anchor="ctr">
-                    <a:lnL w="12700" cap="flat" cmpd="sng" algn="ctr">
-                      <a:solidFill>
-                        <a:schemeClr val="tx1"/>
-                      </a:solidFill>
-                      <a:prstDash val="solid"/>
-                      <a:round/>
-                      <a:headEnd type="none" w="med" len="med"/>
-                      <a:tailEnd type="none" w="med" len="med"/>
-                    </a:lnL>
-                    <a:lnR w="12700" cap="flat" cmpd="sng" algn="ctr">
-                      <a:solidFill>
-                        <a:schemeClr val="tx1"/>
-                      </a:solidFill>
-                      <a:prstDash val="solid"/>
-                      <a:round/>
-                      <a:headEnd type="none" w="med" len="med"/>
-                      <a:tailEnd type="none" w="med" len="med"/>
-                    </a:lnR>
-                    <a:lnT w="12700" cap="flat" cmpd="sng" algn="ctr">
-                      <a:solidFill>
-                        <a:schemeClr val="tx1"/>
-                      </a:solidFill>
-                      <a:prstDash val="solid"/>
-                      <a:round/>
-                      <a:headEnd type="none" w="med" len="med"/>
-                      <a:tailEnd type="none" w="med" len="med"/>
-                    </a:lnT>
-                    <a:lnB w="12700" cap="flat" cmpd="sng" algn="ctr">
-                      <a:solidFill>
-                        <a:schemeClr val="tx1"/>
-                      </a:solidFill>
-                      <a:prstDash val="solid"/>
-                      <a:round/>
-                      <a:headEnd type="none" w="med" len="med"/>
-                      <a:tailEnd type="none" w="med" len="med"/>
-                    </a:lnB>
-                    <a:solidFill>
-                      <a:schemeClr val="bg1"/>
-                    </a:solidFill>
-                  </a:tcPr>
-                </a:tc>
-                <a:tc>
-                  <a:txBody>
-                    <a:bodyPr/>
-                    <a:lstStyle/>
-                    <a:p>
-                      <a:pPr latinLnBrk="1"/>
-                      <a:r>
-                        <a:rPr lang="ko-KR" altLang="en-US" dirty="0"/>
-                        <a:t>추가</a:t>
-                      </a:r>
-                      <a:endParaRPr lang="en-US" altLang="ko-KR" dirty="0"/>
-                    </a:p>
-                    <a:p>
-                      <a:pPr latinLnBrk="1"/>
-                      <a:r>
-                        <a:rPr lang="en-US" altLang="ko-KR" sz="1600" dirty="0"/>
-                        <a:t>  - </a:t>
-                      </a:r>
-                      <a:r>
-                        <a:rPr lang="ko-KR" altLang="en-US" sz="1600" dirty="0"/>
-                        <a:t>수익과 지출을 추가 할 수 있는 페이지로 이동</a:t>
-                      </a:r>
-                    </a:p>
-                  </a:txBody>
-                  <a:tcPr>
-                    <a:lnL w="12700" cap="flat" cmpd="sng" algn="ctr">
-                      <a:solidFill>
-                        <a:schemeClr val="tx1"/>
-                      </a:solidFill>
-                      <a:prstDash val="solid"/>
-                      <a:round/>
-                      <a:headEnd type="none" w="med" len="med"/>
-                      <a:tailEnd type="none" w="med" len="med"/>
-                    </a:lnL>
-                    <a:lnR w="12700" cap="flat" cmpd="sng" algn="ctr">
-                      <a:solidFill>
-                        <a:schemeClr val="tx1"/>
-                      </a:solidFill>
-                      <a:prstDash val="solid"/>
-                      <a:round/>
-                      <a:headEnd type="none" w="med" len="med"/>
-                      <a:tailEnd type="none" w="med" len="med"/>
-                    </a:lnR>
-                    <a:lnT w="12700" cap="flat" cmpd="sng" algn="ctr">
-                      <a:solidFill>
-                        <a:schemeClr val="tx1"/>
-                      </a:solidFill>
-                      <a:prstDash val="solid"/>
-                      <a:round/>
-                      <a:headEnd type="none" w="med" len="med"/>
-                      <a:tailEnd type="none" w="med" len="med"/>
-                    </a:lnT>
-                    <a:lnB w="12700" cap="flat" cmpd="sng" algn="ctr">
-                      <a:solidFill>
-                        <a:schemeClr val="tx1"/>
-                      </a:solidFill>
-                      <a:prstDash val="solid"/>
-                      <a:round/>
-                      <a:headEnd type="none" w="med" len="med"/>
-                      <a:tailEnd type="none" w="med" len="med"/>
-                    </a:lnB>
-                    <a:solidFill>
-                      <a:schemeClr val="bg1"/>
-                    </a:solidFill>
-                  </a:tcPr>
-                </a:tc>
-                <a:extLst>
-                  <a:ext uri="{0D108BD9-81ED-4DB2-BD59-A6C34878D82A}">
-                    <a16:rowId xmlns:a16="http://schemas.microsoft.com/office/drawing/2014/main" val="3277349146"/>
-                  </a:ext>
-                </a:extLst>
-              </a:tr>
-              <a:tr h="208641">
+              <a:tr h="853440">
                 <a:tc>
                   <a:txBody>
                     <a:bodyPr/>
@@ -10954,7 +9472,7 @@
                       <a:pPr latinLnBrk="1"/>
                       <a:r>
                         <a:rPr lang="ko-KR" altLang="en-US" dirty="0"/>
-                        <a:t>완료</a:t>
+                        <a:t>저장</a:t>
                       </a:r>
                       <a:endParaRPr lang="en-US" altLang="ko-KR" dirty="0"/>
                     </a:p>
@@ -10970,7 +9488,7 @@
                       </a:r>
                       <a:r>
                         <a:rPr lang="ko-KR" altLang="en-US" sz="1600" dirty="0"/>
-                        <a:t>메인 화면으로 이동</a:t>
+                        <a:t>저장 및 메인 화면으로 이동</a:t>
                       </a:r>
                       <a:endParaRPr lang="en-US" altLang="ko-KR" sz="1600" dirty="0"/>
                     </a:p>
@@ -11042,7 +9560,7 @@
         <p:spPr>
           <a:xfrm>
             <a:off x="357251" y="417010"/>
-            <a:ext cx="3147015" cy="553998"/>
+            <a:ext cx="2377574" cy="1015663"/>
           </a:xfrm>
           <a:prstGeom prst="rect">
             <a:avLst/>
@@ -11057,52 +9575,15 @@
           <a:p>
             <a:r>
               <a:rPr lang="ko-KR" altLang="en-US" sz="3000" dirty="0"/>
-              <a:t>일일 가계부 화면</a:t>
+              <a:t>일일 가계부 </a:t>
             </a:r>
-          </a:p>
-        </p:txBody>
-      </p:sp>
-      <p:sp>
-        <p:nvSpPr>
-          <p:cNvPr id="6" name="TextBox 5">
-            <a:extLst>
-              <a:ext uri="{FF2B5EF4-FFF2-40B4-BE49-F238E27FC236}">
-                <a16:creationId xmlns:a16="http://schemas.microsoft.com/office/drawing/2014/main" id="{4C9DC074-C163-46A6-B197-9D99FF1C568B}"/>
-              </a:ext>
-            </a:extLst>
-          </p:cNvPr>
-          <p:cNvSpPr txBox="1"/>
-          <p:nvPr/>
-        </p:nvSpPr>
-        <p:spPr>
-          <a:xfrm>
-            <a:off x="4253026" y="3593503"/>
-            <a:ext cx="378630" cy="246221"/>
-          </a:xfrm>
-          <a:prstGeom prst="rect">
-            <a:avLst/>
-          </a:prstGeom>
-          <a:noFill/>
-        </p:spPr>
-        <p:txBody>
-          <a:bodyPr wrap="none" rtlCol="0">
-            <a:spAutoFit/>
-          </a:bodyPr>
-          <a:lstStyle/>
+            <a:endParaRPr lang="en-US" altLang="ko-KR" sz="3000" dirty="0"/>
+          </a:p>
           <a:p>
             <a:r>
-              <a:rPr lang="en-US" altLang="ko-KR" sz="1000" dirty="0">
-                <a:solidFill>
-                  <a:schemeClr val="bg1"/>
-                </a:solidFill>
-              </a:rPr>
-              <a:t>3-1</a:t>
+              <a:rPr lang="ko-KR" altLang="en-US" sz="3000" dirty="0"/>
+              <a:t>작성 화면</a:t>
             </a:r>
-            <a:endParaRPr lang="ko-KR" altLang="en-US" sz="1000" dirty="0">
-              <a:solidFill>
-                <a:schemeClr val="bg1"/>
-              </a:solidFill>
-            </a:endParaRPr>
           </a:p>
         </p:txBody>
       </p:sp>
@@ -11138,10 +9619,10 @@
       </p:grpSpPr>
       <p:pic>
         <p:nvPicPr>
-          <p:cNvPr id="3" name="그림 2">
-            <a:extLst>
-              <a:ext uri="{FF2B5EF4-FFF2-40B4-BE49-F238E27FC236}">
-                <a16:creationId xmlns:a16="http://schemas.microsoft.com/office/drawing/2014/main" id="{356B3309-A8A9-40AF-B47A-9C18A3C81EFB}"/>
+          <p:cNvPr id="6" name="그림 5">
+            <a:extLst>
+              <a:ext uri="{FF2B5EF4-FFF2-40B4-BE49-F238E27FC236}">
+                <a16:creationId xmlns:a16="http://schemas.microsoft.com/office/drawing/2014/main" id="{A6A2108D-640D-4938-BF4F-F98081C041FC}"/>
               </a:ext>
             </a:extLst>
           </p:cNvPr>
@@ -11151,21 +9632,15 @@
           <p:nvPr/>
         </p:nvPicPr>
         <p:blipFill>
-          <a:blip r:embed="rId2">
-            <a:extLst>
-              <a:ext uri="{28A0092B-C50C-407E-A947-70E740481C1C}">
-                <a14:useLocalDpi xmlns:a14="http://schemas.microsoft.com/office/drawing/2010/main" val="0"/>
-              </a:ext>
-            </a:extLst>
-          </a:blip>
+          <a:blip r:embed="rId2"/>
           <a:stretch>
             <a:fillRect/>
           </a:stretch>
         </p:blipFill>
         <p:spPr>
           <a:xfrm>
-            <a:off x="3412048" y="0"/>
-            <a:ext cx="3086100" cy="6858000"/>
+            <a:off x="3722217" y="0"/>
+            <a:ext cx="3307792" cy="6858000"/>
           </a:xfrm>
           <a:prstGeom prst="rect">
             <a:avLst/>
@@ -11186,7 +9661,7 @@
         </p:nvSpPr>
         <p:spPr>
           <a:xfrm>
-            <a:off x="4109537" y="720394"/>
+            <a:off x="3785537" y="2778534"/>
             <a:ext cx="216000" cy="216000"/>
           </a:xfrm>
           <a:prstGeom prst="ellipse">
@@ -11235,7 +9710,7 @@
         </p:nvSpPr>
         <p:spPr>
           <a:xfrm>
-            <a:off x="3482818" y="1413552"/>
+            <a:off x="3785537" y="3415367"/>
             <a:ext cx="216000" cy="216000"/>
           </a:xfrm>
           <a:prstGeom prst="ellipse">
@@ -11270,150 +9745,6 @@
           </a:p>
         </p:txBody>
       </p:sp>
-      <p:sp>
-        <p:nvSpPr>
-          <p:cNvPr id="16" name="타원 15">
-            <a:extLst>
-              <a:ext uri="{FF2B5EF4-FFF2-40B4-BE49-F238E27FC236}">
-                <a16:creationId xmlns:a16="http://schemas.microsoft.com/office/drawing/2014/main" id="{8067918B-DDFC-44C5-AF95-96B65DF0C529}"/>
-              </a:ext>
-            </a:extLst>
-          </p:cNvPr>
-          <p:cNvSpPr/>
-          <p:nvPr/>
-        </p:nvSpPr>
-        <p:spPr>
-          <a:xfrm>
-            <a:off x="3482818" y="2504097"/>
-            <a:ext cx="216000" cy="216000"/>
-          </a:xfrm>
-          <a:prstGeom prst="ellipse">
-            <a:avLst/>
-          </a:prstGeom>
-        </p:spPr>
-        <p:style>
-          <a:lnRef idx="2">
-            <a:schemeClr val="accent2">
-              <a:shade val="50000"/>
-            </a:schemeClr>
-          </a:lnRef>
-          <a:fillRef idx="1">
-            <a:schemeClr val="accent2"/>
-          </a:fillRef>
-          <a:effectRef idx="0">
-            <a:schemeClr val="accent2"/>
-          </a:effectRef>
-          <a:fontRef idx="minor">
-            <a:schemeClr val="lt1"/>
-          </a:fontRef>
-        </p:style>
-        <p:txBody>
-          <a:bodyPr rtlCol="0" anchor="ctr"/>
-          <a:lstStyle/>
-          <a:p>
-            <a:pPr algn="ctr"/>
-            <a:r>
-              <a:rPr lang="en-US" altLang="ko-KR" sz="1000" dirty="0"/>
-              <a:t>3</a:t>
-            </a:r>
-          </a:p>
-        </p:txBody>
-      </p:sp>
-      <p:sp>
-        <p:nvSpPr>
-          <p:cNvPr id="17" name="타원 16">
-            <a:extLst>
-              <a:ext uri="{FF2B5EF4-FFF2-40B4-BE49-F238E27FC236}">
-                <a16:creationId xmlns:a16="http://schemas.microsoft.com/office/drawing/2014/main" id="{AB3006FE-11E0-4052-AC87-9B142FE7082F}"/>
-              </a:ext>
-            </a:extLst>
-          </p:cNvPr>
-          <p:cNvSpPr/>
-          <p:nvPr/>
-        </p:nvSpPr>
-        <p:spPr>
-          <a:xfrm>
-            <a:off x="4286131" y="3536032"/>
-            <a:ext cx="299699" cy="361165"/>
-          </a:xfrm>
-          <a:prstGeom prst="ellipse">
-            <a:avLst/>
-          </a:prstGeom>
-        </p:spPr>
-        <p:style>
-          <a:lnRef idx="2">
-            <a:schemeClr val="accent2">
-              <a:shade val="50000"/>
-            </a:schemeClr>
-          </a:lnRef>
-          <a:fillRef idx="1">
-            <a:schemeClr val="accent2"/>
-          </a:fillRef>
-          <a:effectRef idx="0">
-            <a:schemeClr val="accent2"/>
-          </a:effectRef>
-          <a:fontRef idx="minor">
-            <a:schemeClr val="lt1"/>
-          </a:fontRef>
-        </p:style>
-        <p:txBody>
-          <a:bodyPr rtlCol="0" anchor="ctr"/>
-          <a:lstStyle/>
-          <a:p>
-            <a:pPr algn="ctr"/>
-            <a:endParaRPr lang="en-US" altLang="ko-KR" sz="1000" dirty="0"/>
-          </a:p>
-        </p:txBody>
-      </p:sp>
-      <p:sp>
-        <p:nvSpPr>
-          <p:cNvPr id="18" name="타원 17">
-            <a:extLst>
-              <a:ext uri="{FF2B5EF4-FFF2-40B4-BE49-F238E27FC236}">
-                <a16:creationId xmlns:a16="http://schemas.microsoft.com/office/drawing/2014/main" id="{AAB8C2D1-B65B-4597-A643-81945D0A8EF4}"/>
-              </a:ext>
-            </a:extLst>
-          </p:cNvPr>
-          <p:cNvSpPr/>
-          <p:nvPr/>
-        </p:nvSpPr>
-        <p:spPr>
-          <a:xfrm>
-            <a:off x="4253026" y="6029606"/>
-            <a:ext cx="216000" cy="216000"/>
-          </a:xfrm>
-          <a:prstGeom prst="ellipse">
-            <a:avLst/>
-          </a:prstGeom>
-        </p:spPr>
-        <p:style>
-          <a:lnRef idx="2">
-            <a:schemeClr val="accent2">
-              <a:shade val="50000"/>
-            </a:schemeClr>
-          </a:lnRef>
-          <a:fillRef idx="1">
-            <a:schemeClr val="accent2"/>
-          </a:fillRef>
-          <a:effectRef idx="0">
-            <a:schemeClr val="accent2"/>
-          </a:effectRef>
-          <a:fontRef idx="minor">
-            <a:schemeClr val="lt1"/>
-          </a:fontRef>
-        </p:style>
-        <p:txBody>
-          <a:bodyPr rtlCol="0" anchor="ctr"/>
-          <a:lstStyle/>
-          <a:p>
-            <a:pPr algn="ctr"/>
-            <a:r>
-              <a:rPr lang="en-US" altLang="ko-KR" sz="1000" dirty="0"/>
-              <a:t>4</a:t>
-            </a:r>
-          </a:p>
-        </p:txBody>
-      </p:sp>
       <p:graphicFrame>
         <p:nvGraphicFramePr>
           <p:cNvPr id="21" name="표 21">
@@ -11429,14 +9760,14 @@
           <p:nvPr>
             <p:extLst>
               <p:ext uri="{D42A27DB-BD31-4B8C-83A1-F6EECF244321}">
-                <p14:modId xmlns:p14="http://schemas.microsoft.com/office/powerpoint/2010/main" val="3884861733"/>
+                <p14:modId xmlns:p14="http://schemas.microsoft.com/office/powerpoint/2010/main" val="2282631347"/>
               </p:ext>
             </p:extLst>
           </p:nvPr>
         </p:nvGraphicFramePr>
         <p:xfrm>
           <a:off x="8211952" y="417010"/>
-          <a:ext cx="3539893" cy="3772236"/>
+          <a:ext cx="3539893" cy="2190918"/>
         </p:xfrm>
         <a:graphic>
           <a:graphicData uri="http://schemas.openxmlformats.org/drawingml/2006/table">
@@ -11468,9 +9799,10 @@
                     <a:p>
                       <a:pPr latinLnBrk="1"/>
                       <a:r>
-                        <a:rPr lang="ko-KR" altLang="en-US" dirty="0"/>
+                        <a:rPr lang="ko-KR" altLang="en-US"/>
                         <a:t>설명</a:t>
                       </a:r>
+                      <a:endParaRPr lang="ko-KR" altLang="en-US" dirty="0"/>
                     </a:p>
                   </a:txBody>
                   <a:tcPr>
@@ -11537,7 +9869,7 @@
                     <a:p>
                       <a:pPr algn="ctr" latinLnBrk="1"/>
                       <a:r>
-                        <a:rPr lang="en-US" altLang="ko-KR" dirty="0"/>
+                        <a:rPr lang="en-US" altLang="ko-KR"/>
                         <a:t>1</a:t>
                       </a:r>
                       <a:endParaRPr lang="ko-KR" altLang="en-US" dirty="0"/>
@@ -11592,9 +9924,22 @@
                     <a:p>
                       <a:pPr latinLnBrk="1"/>
                       <a:r>
-                        <a:rPr lang="ko-KR" altLang="en-US" b="0" dirty="0"/>
-                        <a:t>오늘 날짜</a:t>
+                        <a:rPr lang="ko-KR" altLang="en-US" dirty="0"/>
+                        <a:t>이번 달 총 수입 내역</a:t>
                       </a:r>
+                      <a:endParaRPr lang="en-US" altLang="ko-KR" dirty="0"/>
+                    </a:p>
+                    <a:p>
+                      <a:pPr latinLnBrk="1"/>
+                      <a:r>
+                        <a:rPr lang="en-US" altLang="ko-KR" sz="1800" dirty="0"/>
+                        <a:t>  - </a:t>
+                      </a:r>
+                      <a:r>
+                        <a:rPr lang="ko-KR" altLang="en-US" sz="1800" dirty="0"/>
+                        <a:t>이번 달 수입을 분류별로 출력</a:t>
+                      </a:r>
+                      <a:endParaRPr lang="en-US" altLang="ko-KR" sz="1800" dirty="0"/>
                     </a:p>
                   </a:txBody>
                   <a:tcPr>
@@ -11653,7 +9998,7 @@
                     <a:p>
                       <a:pPr algn="ctr" latinLnBrk="1"/>
                       <a:r>
-                        <a:rPr lang="en-US" altLang="ko-KR" dirty="0"/>
+                        <a:rPr lang="en-US" altLang="ko-KR"/>
                         <a:t>2</a:t>
                       </a:r>
                       <a:endParaRPr lang="ko-KR" altLang="en-US" dirty="0"/>
@@ -11709,7 +10054,7 @@
                       <a:pPr latinLnBrk="1"/>
                       <a:r>
                         <a:rPr lang="ko-KR" altLang="en-US" dirty="0"/>
-                        <a:t>이번 달 수익</a:t>
+                        <a:t>이번 달 총 지출 내역</a:t>
                       </a:r>
                       <a:endParaRPr lang="en-US" altLang="ko-KR" dirty="0"/>
                     </a:p>
@@ -11721,7 +10066,7 @@
                       </a:r>
                       <a:r>
                         <a:rPr lang="ko-KR" altLang="en-US" sz="1600" dirty="0"/>
-                        <a:t>이번 달 수익을 작성 가능</a:t>
+                        <a:t>이번 달 지출을 분류별로 출력</a:t>
                       </a:r>
                       <a:endParaRPr lang="en-US" altLang="ko-KR" sz="1600" dirty="0"/>
                     </a:p>
@@ -11774,396 +10119,6 @@
                   </a:ext>
                 </a:extLst>
               </a:tr>
-              <a:tr h="685800">
-                <a:tc>
-                  <a:txBody>
-                    <a:bodyPr/>
-                    <a:lstStyle/>
-                    <a:p>
-                      <a:pPr algn="ctr" latinLnBrk="1"/>
-                      <a:r>
-                        <a:rPr lang="en-US" altLang="ko-KR" dirty="0"/>
-                        <a:t>3</a:t>
-                      </a:r>
-                      <a:endParaRPr lang="ko-KR" altLang="en-US" dirty="0"/>
-                    </a:p>
-                  </a:txBody>
-                  <a:tcPr anchor="ctr">
-                    <a:lnL w="12700" cap="flat" cmpd="sng" algn="ctr">
-                      <a:solidFill>
-                        <a:schemeClr val="tx1"/>
-                      </a:solidFill>
-                      <a:prstDash val="solid"/>
-                      <a:round/>
-                      <a:headEnd type="none" w="med" len="med"/>
-                      <a:tailEnd type="none" w="med" len="med"/>
-                    </a:lnL>
-                    <a:lnR w="12700" cap="flat" cmpd="sng" algn="ctr">
-                      <a:solidFill>
-                        <a:schemeClr val="tx1"/>
-                      </a:solidFill>
-                      <a:prstDash val="solid"/>
-                      <a:round/>
-                      <a:headEnd type="none" w="med" len="med"/>
-                      <a:tailEnd type="none" w="med" len="med"/>
-                    </a:lnR>
-                    <a:lnT w="12700" cap="flat" cmpd="sng" algn="ctr">
-                      <a:solidFill>
-                        <a:schemeClr val="tx1"/>
-                      </a:solidFill>
-                      <a:prstDash val="solid"/>
-                      <a:round/>
-                      <a:headEnd type="none" w="med" len="med"/>
-                      <a:tailEnd type="none" w="med" len="med"/>
-                    </a:lnT>
-                    <a:lnB w="12700" cap="flat" cmpd="sng" algn="ctr">
-                      <a:solidFill>
-                        <a:schemeClr val="tx1"/>
-                      </a:solidFill>
-                      <a:prstDash val="solid"/>
-                      <a:round/>
-                      <a:headEnd type="none" w="med" len="med"/>
-                      <a:tailEnd type="none" w="med" len="med"/>
-                    </a:lnB>
-                    <a:solidFill>
-                      <a:schemeClr val="bg1"/>
-                    </a:solidFill>
-                  </a:tcPr>
-                </a:tc>
-                <a:tc>
-                  <a:txBody>
-                    <a:bodyPr/>
-                    <a:lstStyle/>
-                    <a:p>
-                      <a:pPr latinLnBrk="1"/>
-                      <a:r>
-                        <a:rPr lang="ko-KR" altLang="en-US" sz="1800" dirty="0"/>
-                        <a:t>오늘의 지출</a:t>
-                      </a:r>
-                      <a:endParaRPr lang="en-US" altLang="ko-KR" sz="1800" dirty="0"/>
-                    </a:p>
-                    <a:p>
-                      <a:pPr latinLnBrk="1"/>
-                      <a:r>
-                        <a:rPr lang="en-US" altLang="ko-KR" sz="1600" dirty="0"/>
-                        <a:t>  - </a:t>
-                      </a:r>
-                      <a:r>
-                        <a:rPr lang="ko-KR" altLang="en-US" sz="1600" dirty="0"/>
-                        <a:t>분류를 정한 오늘의 지출을 작성</a:t>
-                      </a:r>
-                      <a:endParaRPr lang="en-US" altLang="ko-KR" sz="1600" dirty="0"/>
-                    </a:p>
-                  </a:txBody>
-                  <a:tcPr>
-                    <a:lnL w="12700" cap="flat" cmpd="sng" algn="ctr">
-                      <a:solidFill>
-                        <a:schemeClr val="tx1"/>
-                      </a:solidFill>
-                      <a:prstDash val="solid"/>
-                      <a:round/>
-                      <a:headEnd type="none" w="med" len="med"/>
-                      <a:tailEnd type="none" w="med" len="med"/>
-                    </a:lnL>
-                    <a:lnR w="12700" cap="flat" cmpd="sng" algn="ctr">
-                      <a:solidFill>
-                        <a:schemeClr val="tx1"/>
-                      </a:solidFill>
-                      <a:prstDash val="solid"/>
-                      <a:round/>
-                      <a:headEnd type="none" w="med" len="med"/>
-                      <a:tailEnd type="none" w="med" len="med"/>
-                    </a:lnR>
-                    <a:lnT w="12700" cap="flat" cmpd="sng" algn="ctr">
-                      <a:solidFill>
-                        <a:schemeClr val="tx1"/>
-                      </a:solidFill>
-                      <a:prstDash val="solid"/>
-                      <a:round/>
-                      <a:headEnd type="none" w="med" len="med"/>
-                      <a:tailEnd type="none" w="med" len="med"/>
-                    </a:lnT>
-                    <a:lnB w="12700" cap="flat" cmpd="sng" algn="ctr">
-                      <a:solidFill>
-                        <a:schemeClr val="tx1"/>
-                      </a:solidFill>
-                      <a:prstDash val="solid"/>
-                      <a:round/>
-                      <a:headEnd type="none" w="med" len="med"/>
-                      <a:tailEnd type="none" w="med" len="med"/>
-                    </a:lnB>
-                    <a:solidFill>
-                      <a:schemeClr val="bg1"/>
-                    </a:solidFill>
-                  </a:tcPr>
-                </a:tc>
-                <a:extLst>
-                  <a:ext uri="{0D108BD9-81ED-4DB2-BD59-A6C34878D82A}">
-                    <a16:rowId xmlns:a16="http://schemas.microsoft.com/office/drawing/2014/main" val="2708506169"/>
-                  </a:ext>
-                </a:extLst>
-              </a:tr>
-              <a:tr h="423078">
-                <a:tc>
-                  <a:txBody>
-                    <a:bodyPr/>
-                    <a:lstStyle/>
-                    <a:p>
-                      <a:pPr algn="ctr" latinLnBrk="1"/>
-                      <a:r>
-                        <a:rPr lang="en-US" altLang="ko-KR" dirty="0"/>
-                        <a:t>3-1</a:t>
-                      </a:r>
-                      <a:endParaRPr lang="ko-KR" altLang="en-US" dirty="0"/>
-                    </a:p>
-                  </a:txBody>
-                  <a:tcPr anchor="ctr">
-                    <a:lnL w="12700" cap="flat" cmpd="sng" algn="ctr">
-                      <a:solidFill>
-                        <a:schemeClr val="tx1"/>
-                      </a:solidFill>
-                      <a:prstDash val="solid"/>
-                      <a:round/>
-                      <a:headEnd type="none" w="med" len="med"/>
-                      <a:tailEnd type="none" w="med" len="med"/>
-                    </a:lnL>
-                    <a:lnR w="12700" cap="flat" cmpd="sng" algn="ctr">
-                      <a:solidFill>
-                        <a:schemeClr val="tx1"/>
-                      </a:solidFill>
-                      <a:prstDash val="solid"/>
-                      <a:round/>
-                      <a:headEnd type="none" w="med" len="med"/>
-                      <a:tailEnd type="none" w="med" len="med"/>
-                    </a:lnR>
-                    <a:lnT w="12700" cap="flat" cmpd="sng" algn="ctr">
-                      <a:solidFill>
-                        <a:schemeClr val="tx1"/>
-                      </a:solidFill>
-                      <a:prstDash val="solid"/>
-                      <a:round/>
-                      <a:headEnd type="none" w="med" len="med"/>
-                      <a:tailEnd type="none" w="med" len="med"/>
-                    </a:lnT>
-                    <a:lnB w="12700" cap="flat" cmpd="sng" algn="ctr">
-                      <a:solidFill>
-                        <a:schemeClr val="tx1"/>
-                      </a:solidFill>
-                      <a:prstDash val="solid"/>
-                      <a:round/>
-                      <a:headEnd type="none" w="med" len="med"/>
-                      <a:tailEnd type="none" w="med" len="med"/>
-                    </a:lnB>
-                    <a:solidFill>
-                      <a:schemeClr val="bg1"/>
-                    </a:solidFill>
-                  </a:tcPr>
-                </a:tc>
-                <a:tc>
-                  <a:txBody>
-                    <a:bodyPr/>
-                    <a:lstStyle/>
-                    <a:p>
-                      <a:pPr latinLnBrk="1"/>
-                      <a:r>
-                        <a:rPr lang="ko-KR" altLang="en-US" dirty="0"/>
-                        <a:t>추가</a:t>
-                      </a:r>
-                      <a:endParaRPr lang="en-US" altLang="ko-KR" dirty="0"/>
-                    </a:p>
-                    <a:p>
-                      <a:pPr latinLnBrk="1"/>
-                      <a:r>
-                        <a:rPr lang="en-US" altLang="ko-KR" sz="1600" dirty="0"/>
-                        <a:t>  - </a:t>
-                      </a:r>
-                      <a:r>
-                        <a:rPr lang="ko-KR" altLang="en-US" sz="1600" dirty="0"/>
-                        <a:t>추가적인 지출을 작성 할 수 있는 칸을 추가</a:t>
-                      </a:r>
-                    </a:p>
-                  </a:txBody>
-                  <a:tcPr>
-                    <a:lnL w="12700" cap="flat" cmpd="sng" algn="ctr">
-                      <a:solidFill>
-                        <a:schemeClr val="tx1"/>
-                      </a:solidFill>
-                      <a:prstDash val="solid"/>
-                      <a:round/>
-                      <a:headEnd type="none" w="med" len="med"/>
-                      <a:tailEnd type="none" w="med" len="med"/>
-                    </a:lnL>
-                    <a:lnR w="12700" cap="flat" cmpd="sng" algn="ctr">
-                      <a:solidFill>
-                        <a:schemeClr val="tx1"/>
-                      </a:solidFill>
-                      <a:prstDash val="solid"/>
-                      <a:round/>
-                      <a:headEnd type="none" w="med" len="med"/>
-                      <a:tailEnd type="none" w="med" len="med"/>
-                    </a:lnR>
-                    <a:lnT w="12700" cap="flat" cmpd="sng" algn="ctr">
-                      <a:solidFill>
-                        <a:schemeClr val="tx1"/>
-                      </a:solidFill>
-                      <a:prstDash val="solid"/>
-                      <a:round/>
-                      <a:headEnd type="none" w="med" len="med"/>
-                      <a:tailEnd type="none" w="med" len="med"/>
-                    </a:lnT>
-                    <a:lnB w="12700" cap="flat" cmpd="sng" algn="ctr">
-                      <a:solidFill>
-                        <a:schemeClr val="tx1"/>
-                      </a:solidFill>
-                      <a:prstDash val="solid"/>
-                      <a:round/>
-                      <a:headEnd type="none" w="med" len="med"/>
-                      <a:tailEnd type="none" w="med" len="med"/>
-                    </a:lnB>
-                    <a:solidFill>
-                      <a:schemeClr val="bg1"/>
-                    </a:solidFill>
-                  </a:tcPr>
-                </a:tc>
-                <a:extLst>
-                  <a:ext uri="{0D108BD9-81ED-4DB2-BD59-A6C34878D82A}">
-                    <a16:rowId xmlns:a16="http://schemas.microsoft.com/office/drawing/2014/main" val="3277349146"/>
-                  </a:ext>
-                </a:extLst>
-              </a:tr>
-              <a:tr h="208641">
-                <a:tc>
-                  <a:txBody>
-                    <a:bodyPr/>
-                    <a:lstStyle/>
-                    <a:p>
-                      <a:pPr algn="ctr" latinLnBrk="1"/>
-                      <a:r>
-                        <a:rPr lang="en-US" altLang="ko-KR" dirty="0"/>
-                        <a:t>4</a:t>
-                      </a:r>
-                      <a:endParaRPr lang="ko-KR" altLang="en-US" dirty="0"/>
-                    </a:p>
-                  </a:txBody>
-                  <a:tcPr anchor="ctr">
-                    <a:lnL w="12700" cap="flat" cmpd="sng" algn="ctr">
-                      <a:solidFill>
-                        <a:schemeClr val="tx1"/>
-                      </a:solidFill>
-                      <a:prstDash val="solid"/>
-                      <a:round/>
-                      <a:headEnd type="none" w="med" len="med"/>
-                      <a:tailEnd type="none" w="med" len="med"/>
-                    </a:lnL>
-                    <a:lnR w="12700" cap="flat" cmpd="sng" algn="ctr">
-                      <a:solidFill>
-                        <a:schemeClr val="tx1"/>
-                      </a:solidFill>
-                      <a:prstDash val="solid"/>
-                      <a:round/>
-                      <a:headEnd type="none" w="med" len="med"/>
-                      <a:tailEnd type="none" w="med" len="med"/>
-                    </a:lnR>
-                    <a:lnT w="12700" cap="flat" cmpd="sng" algn="ctr">
-                      <a:solidFill>
-                        <a:schemeClr val="tx1"/>
-                      </a:solidFill>
-                      <a:prstDash val="solid"/>
-                      <a:round/>
-                      <a:headEnd type="none" w="med" len="med"/>
-                      <a:tailEnd type="none" w="med" len="med"/>
-                    </a:lnT>
-                    <a:lnB w="12700" cap="flat" cmpd="sng" algn="ctr">
-                      <a:solidFill>
-                        <a:schemeClr val="tx1"/>
-                      </a:solidFill>
-                      <a:prstDash val="solid"/>
-                      <a:round/>
-                      <a:headEnd type="none" w="med" len="med"/>
-                      <a:tailEnd type="none" w="med" len="med"/>
-                    </a:lnB>
-                    <a:solidFill>
-                      <a:schemeClr val="bg1"/>
-                    </a:solidFill>
-                  </a:tcPr>
-                </a:tc>
-                <a:tc>
-                  <a:txBody>
-                    <a:bodyPr/>
-                    <a:lstStyle/>
-                    <a:p>
-                      <a:pPr latinLnBrk="1"/>
-                      <a:r>
-                        <a:rPr lang="ko-KR" altLang="en-US" dirty="0"/>
-                        <a:t>완료</a:t>
-                      </a:r>
-                      <a:endParaRPr lang="en-US" altLang="ko-KR" dirty="0"/>
-                    </a:p>
-                    <a:p>
-                      <a:pPr latinLnBrk="1"/>
-                      <a:r>
-                        <a:rPr lang="ko-KR" altLang="en-US" sz="1600" dirty="0"/>
-                        <a:t>  </a:t>
-                      </a:r>
-                      <a:r>
-                        <a:rPr lang="en-US" altLang="ko-KR" sz="1600" dirty="0"/>
-                        <a:t>- </a:t>
-                      </a:r>
-                      <a:r>
-                        <a:rPr lang="ko-KR" altLang="en-US" sz="1600" dirty="0"/>
-                        <a:t>메인 화면으로 이동</a:t>
-                      </a:r>
-                      <a:endParaRPr lang="en-US" altLang="ko-KR" sz="1600" dirty="0"/>
-                    </a:p>
-                  </a:txBody>
-                  <a:tcPr>
-                    <a:lnL w="12700" cap="flat" cmpd="sng" algn="ctr">
-                      <a:solidFill>
-                        <a:schemeClr val="tx1"/>
-                      </a:solidFill>
-                      <a:prstDash val="solid"/>
-                      <a:round/>
-                      <a:headEnd type="none" w="med" len="med"/>
-                      <a:tailEnd type="none" w="med" len="med"/>
-                    </a:lnL>
-                    <a:lnR w="12700" cap="flat" cmpd="sng" algn="ctr">
-                      <a:solidFill>
-                        <a:schemeClr val="tx1"/>
-                      </a:solidFill>
-                      <a:prstDash val="solid"/>
-                      <a:round/>
-                      <a:headEnd type="none" w="med" len="med"/>
-                      <a:tailEnd type="none" w="med" len="med"/>
-                    </a:lnR>
-                    <a:lnT w="12700" cap="flat" cmpd="sng" algn="ctr">
-                      <a:solidFill>
-                        <a:schemeClr val="tx1"/>
-                      </a:solidFill>
-                      <a:prstDash val="solid"/>
-                      <a:round/>
-                      <a:headEnd type="none" w="med" len="med"/>
-                      <a:tailEnd type="none" w="med" len="med"/>
-                    </a:lnT>
-                    <a:lnB w="12700" cap="flat" cmpd="sng" algn="ctr">
-                      <a:solidFill>
-                        <a:schemeClr val="tx1"/>
-                      </a:solidFill>
-                      <a:prstDash val="solid"/>
-                      <a:round/>
-                      <a:headEnd type="none" w="med" len="med"/>
-                      <a:tailEnd type="none" w="med" len="med"/>
-                    </a:lnB>
-                    <a:solidFill>
-                      <a:schemeClr val="bg1"/>
-                    </a:solidFill>
-                  </a:tcPr>
-                </a:tc>
-                <a:extLst>
-                  <a:ext uri="{0D108BD9-81ED-4DB2-BD59-A6C34878D82A}">
-                    <a16:rowId xmlns:a16="http://schemas.microsoft.com/office/drawing/2014/main" val="2823866177"/>
-                  </a:ext>
-                </a:extLst>
-              </a:tr>
             </a:tbl>
           </a:graphicData>
         </a:graphic>
@@ -12183,7 +10138,7 @@
         <p:spPr>
           <a:xfrm>
             <a:off x="357251" y="417010"/>
-            <a:ext cx="2377574" cy="1015663"/>
+            <a:ext cx="2762295" cy="1015663"/>
           </a:xfrm>
           <a:prstGeom prst="rect">
             <a:avLst/>
@@ -12198,2012 +10153,22 @@
           <a:p>
             <a:r>
               <a:rPr lang="ko-KR" altLang="en-US" sz="3000" dirty="0"/>
-              <a:t>일일 가계부 </a:t>
+              <a:t>이번 달 총 </a:t>
             </a:r>
             <a:endParaRPr lang="en-US" altLang="ko-KR" sz="3000" dirty="0"/>
           </a:p>
           <a:p>
             <a:r>
               <a:rPr lang="ko-KR" altLang="en-US" sz="3000" dirty="0"/>
-              <a:t>작성 화면</a:t>
+              <a:t>지출 내역 화면</a:t>
             </a:r>
-          </a:p>
-        </p:txBody>
-      </p:sp>
-      <p:sp>
-        <p:nvSpPr>
-          <p:cNvPr id="6" name="TextBox 5">
-            <a:extLst>
-              <a:ext uri="{FF2B5EF4-FFF2-40B4-BE49-F238E27FC236}">
-                <a16:creationId xmlns:a16="http://schemas.microsoft.com/office/drawing/2014/main" id="{4C9DC074-C163-46A6-B197-9D99FF1C568B}"/>
-              </a:ext>
-            </a:extLst>
-          </p:cNvPr>
-          <p:cNvSpPr txBox="1"/>
-          <p:nvPr/>
-        </p:nvSpPr>
-        <p:spPr>
-          <a:xfrm>
-            <a:off x="4253026" y="3593503"/>
-            <a:ext cx="378630" cy="246221"/>
-          </a:xfrm>
-          <a:prstGeom prst="rect">
-            <a:avLst/>
-          </a:prstGeom>
-          <a:noFill/>
-        </p:spPr>
-        <p:txBody>
-          <a:bodyPr wrap="none" rtlCol="0">
-            <a:spAutoFit/>
-          </a:bodyPr>
-          <a:lstStyle/>
-          <a:p>
-            <a:r>
-              <a:rPr lang="en-US" altLang="ko-KR" sz="1000" dirty="0">
-                <a:solidFill>
-                  <a:schemeClr val="bg1"/>
-                </a:solidFill>
-              </a:rPr>
-              <a:t>3-1</a:t>
-            </a:r>
-            <a:endParaRPr lang="ko-KR" altLang="en-US" sz="1000" dirty="0">
-              <a:solidFill>
-                <a:schemeClr val="bg1"/>
-              </a:solidFill>
-            </a:endParaRPr>
           </a:p>
         </p:txBody>
       </p:sp>
     </p:spTree>
     <p:extLst>
       <p:ext uri="{BB962C8B-B14F-4D97-AF65-F5344CB8AC3E}">
-        <p14:creationId xmlns:p14="http://schemas.microsoft.com/office/powerpoint/2010/main" val="1107473141"/>
-      </p:ext>
-    </p:extLst>
-  </p:cSld>
-  <p:clrMapOvr>
-    <a:masterClrMapping/>
-  </p:clrMapOvr>
-</p:sld>
-</file>
-
-<file path=ppt/slides/slide8.xml><?xml version="1.0" encoding="utf-8"?>
-<p:sld xmlns:a="http://schemas.openxmlformats.org/drawingml/2006/main" xmlns:r="http://schemas.openxmlformats.org/officeDocument/2006/relationships" xmlns:p="http://schemas.openxmlformats.org/presentationml/2006/main">
-  <p:cSld>
-    <p:spTree>
-      <p:nvGrpSpPr>
-        <p:cNvPr id="1" name=""/>
-        <p:cNvGrpSpPr/>
-        <p:nvPr/>
-      </p:nvGrpSpPr>
-      <p:grpSpPr>
-        <a:xfrm>
-          <a:off x="0" y="0"/>
-          <a:ext cx="0" cy="0"/>
-          <a:chOff x="0" y="0"/>
-          <a:chExt cx="0" cy="0"/>
-        </a:xfrm>
-      </p:grpSpPr>
-      <p:pic>
-        <p:nvPicPr>
-          <p:cNvPr id="5" name="그림 4">
-            <a:extLst>
-              <a:ext uri="{FF2B5EF4-FFF2-40B4-BE49-F238E27FC236}">
-                <a16:creationId xmlns:a16="http://schemas.microsoft.com/office/drawing/2014/main" id="{1BDE960E-EEF8-4CB5-9253-66C65E100BD2}"/>
-              </a:ext>
-            </a:extLst>
-          </p:cNvPr>
-          <p:cNvPicPr>
-            <a:picLocks noChangeAspect="1"/>
-          </p:cNvPicPr>
-          <p:nvPr/>
-        </p:nvPicPr>
-        <p:blipFill>
-          <a:blip r:embed="rId2">
-            <a:extLst>
-              <a:ext uri="{28A0092B-C50C-407E-A947-70E740481C1C}">
-                <a14:useLocalDpi xmlns:a14="http://schemas.microsoft.com/office/drawing/2010/main" val="0"/>
-              </a:ext>
-            </a:extLst>
-          </a:blip>
-          <a:stretch>
-            <a:fillRect/>
-          </a:stretch>
-        </p:blipFill>
-        <p:spPr>
-          <a:xfrm>
-            <a:off x="3415706" y="0"/>
-            <a:ext cx="3086100" cy="6858000"/>
-          </a:xfrm>
-          <a:prstGeom prst="rect">
-            <a:avLst/>
-          </a:prstGeom>
-        </p:spPr>
-      </p:pic>
-      <p:sp>
-        <p:nvSpPr>
-          <p:cNvPr id="14" name="타원 13">
-            <a:extLst>
-              <a:ext uri="{FF2B5EF4-FFF2-40B4-BE49-F238E27FC236}">
-                <a16:creationId xmlns:a16="http://schemas.microsoft.com/office/drawing/2014/main" id="{DFCC4B6E-CB4C-45AC-B1D2-79CCE554DF1B}"/>
-              </a:ext>
-            </a:extLst>
-          </p:cNvPr>
-          <p:cNvSpPr/>
-          <p:nvPr/>
-        </p:nvSpPr>
-        <p:spPr>
-          <a:xfrm>
-            <a:off x="4109537" y="720394"/>
-            <a:ext cx="216000" cy="216000"/>
-          </a:xfrm>
-          <a:prstGeom prst="ellipse">
-            <a:avLst/>
-          </a:prstGeom>
-        </p:spPr>
-        <p:style>
-          <a:lnRef idx="2">
-            <a:schemeClr val="accent2">
-              <a:shade val="50000"/>
-            </a:schemeClr>
-          </a:lnRef>
-          <a:fillRef idx="1">
-            <a:schemeClr val="accent2"/>
-          </a:fillRef>
-          <a:effectRef idx="0">
-            <a:schemeClr val="accent2"/>
-          </a:effectRef>
-          <a:fontRef idx="minor">
-            <a:schemeClr val="lt1"/>
-          </a:fontRef>
-        </p:style>
-        <p:txBody>
-          <a:bodyPr rtlCol="0" anchor="ctr"/>
-          <a:lstStyle/>
-          <a:p>
-            <a:pPr algn="ctr"/>
-            <a:r>
-              <a:rPr lang="en-US" altLang="ko-KR" sz="1000" dirty="0"/>
-              <a:t>1</a:t>
-            </a:r>
-          </a:p>
-        </p:txBody>
-      </p:sp>
-      <p:sp>
-        <p:nvSpPr>
-          <p:cNvPr id="15" name="타원 14">
-            <a:extLst>
-              <a:ext uri="{FF2B5EF4-FFF2-40B4-BE49-F238E27FC236}">
-                <a16:creationId xmlns:a16="http://schemas.microsoft.com/office/drawing/2014/main" id="{653B9A5C-F4DC-44C5-A65A-080BFB9C060B}"/>
-              </a:ext>
-            </a:extLst>
-          </p:cNvPr>
-          <p:cNvSpPr/>
-          <p:nvPr/>
-        </p:nvSpPr>
-        <p:spPr>
-          <a:xfrm>
-            <a:off x="3482818" y="1432673"/>
-            <a:ext cx="216000" cy="216000"/>
-          </a:xfrm>
-          <a:prstGeom prst="ellipse">
-            <a:avLst/>
-          </a:prstGeom>
-        </p:spPr>
-        <p:style>
-          <a:lnRef idx="2">
-            <a:schemeClr val="accent2">
-              <a:shade val="50000"/>
-            </a:schemeClr>
-          </a:lnRef>
-          <a:fillRef idx="1">
-            <a:schemeClr val="accent2"/>
-          </a:fillRef>
-          <a:effectRef idx="0">
-            <a:schemeClr val="accent2"/>
-          </a:effectRef>
-          <a:fontRef idx="minor">
-            <a:schemeClr val="lt1"/>
-          </a:fontRef>
-        </p:style>
-        <p:txBody>
-          <a:bodyPr rtlCol="0" anchor="ctr"/>
-          <a:lstStyle/>
-          <a:p>
-            <a:pPr algn="ctr"/>
-            <a:r>
-              <a:rPr lang="en-US" altLang="ko-KR" sz="1000" dirty="0"/>
-              <a:t>2</a:t>
-            </a:r>
-          </a:p>
-        </p:txBody>
-      </p:sp>
-      <p:sp>
-        <p:nvSpPr>
-          <p:cNvPr id="17" name="타원 16">
-            <a:extLst>
-              <a:ext uri="{FF2B5EF4-FFF2-40B4-BE49-F238E27FC236}">
-                <a16:creationId xmlns:a16="http://schemas.microsoft.com/office/drawing/2014/main" id="{AB3006FE-11E0-4052-AC87-9B142FE7082F}"/>
-              </a:ext>
-            </a:extLst>
-          </p:cNvPr>
-          <p:cNvSpPr/>
-          <p:nvPr/>
-        </p:nvSpPr>
-        <p:spPr>
-          <a:xfrm>
-            <a:off x="4286131" y="2530529"/>
-            <a:ext cx="299699" cy="361165"/>
-          </a:xfrm>
-          <a:prstGeom prst="ellipse">
-            <a:avLst/>
-          </a:prstGeom>
-        </p:spPr>
-        <p:style>
-          <a:lnRef idx="2">
-            <a:schemeClr val="accent2">
-              <a:shade val="50000"/>
-            </a:schemeClr>
-          </a:lnRef>
-          <a:fillRef idx="1">
-            <a:schemeClr val="accent2"/>
-          </a:fillRef>
-          <a:effectRef idx="0">
-            <a:schemeClr val="accent2"/>
-          </a:effectRef>
-          <a:fontRef idx="minor">
-            <a:schemeClr val="lt1"/>
-          </a:fontRef>
-        </p:style>
-        <p:txBody>
-          <a:bodyPr rtlCol="0" anchor="ctr"/>
-          <a:lstStyle/>
-          <a:p>
-            <a:pPr algn="ctr"/>
-            <a:endParaRPr lang="en-US" altLang="ko-KR" sz="1000" dirty="0"/>
-          </a:p>
-        </p:txBody>
-      </p:sp>
-      <p:sp>
-        <p:nvSpPr>
-          <p:cNvPr id="18" name="타원 17">
-            <a:extLst>
-              <a:ext uri="{FF2B5EF4-FFF2-40B4-BE49-F238E27FC236}">
-                <a16:creationId xmlns:a16="http://schemas.microsoft.com/office/drawing/2014/main" id="{AAB8C2D1-B65B-4597-A643-81945D0A8EF4}"/>
-              </a:ext>
-            </a:extLst>
-          </p:cNvPr>
-          <p:cNvSpPr/>
-          <p:nvPr/>
-        </p:nvSpPr>
-        <p:spPr>
-          <a:xfrm>
-            <a:off x="4253026" y="6029606"/>
-            <a:ext cx="216000" cy="216000"/>
-          </a:xfrm>
-          <a:prstGeom prst="ellipse">
-            <a:avLst/>
-          </a:prstGeom>
-        </p:spPr>
-        <p:style>
-          <a:lnRef idx="2">
-            <a:schemeClr val="accent2">
-              <a:shade val="50000"/>
-            </a:schemeClr>
-          </a:lnRef>
-          <a:fillRef idx="1">
-            <a:schemeClr val="accent2"/>
-          </a:fillRef>
-          <a:effectRef idx="0">
-            <a:schemeClr val="accent2"/>
-          </a:effectRef>
-          <a:fontRef idx="minor">
-            <a:schemeClr val="lt1"/>
-          </a:fontRef>
-        </p:style>
-        <p:txBody>
-          <a:bodyPr rtlCol="0" anchor="ctr"/>
-          <a:lstStyle/>
-          <a:p>
-            <a:pPr algn="ctr"/>
-            <a:r>
-              <a:rPr lang="en-US" altLang="ko-KR" sz="1000" dirty="0"/>
-              <a:t>3</a:t>
-            </a:r>
-          </a:p>
-        </p:txBody>
-      </p:sp>
-      <p:graphicFrame>
-        <p:nvGraphicFramePr>
-          <p:cNvPr id="21" name="표 21">
-            <a:extLst>
-              <a:ext uri="{FF2B5EF4-FFF2-40B4-BE49-F238E27FC236}">
-                <a16:creationId xmlns:a16="http://schemas.microsoft.com/office/drawing/2014/main" id="{71A16ABA-C7C3-4006-AE98-2AFEEFD16C3F}"/>
-              </a:ext>
-            </a:extLst>
-          </p:cNvPr>
-          <p:cNvGraphicFramePr>
-            <a:graphicFrameLocks noGrp="1"/>
-          </p:cNvGraphicFramePr>
-          <p:nvPr>
-            <p:extLst>
-              <p:ext uri="{D42A27DB-BD31-4B8C-83A1-F6EECF244321}">
-                <p14:modId xmlns:p14="http://schemas.microsoft.com/office/powerpoint/2010/main" val="46169245"/>
-              </p:ext>
-            </p:extLst>
-          </p:nvPr>
-        </p:nvGraphicFramePr>
-        <p:xfrm>
-          <a:off x="8211952" y="417010"/>
-          <a:ext cx="3539893" cy="3406476"/>
-        </p:xfrm>
-        <a:graphic>
-          <a:graphicData uri="http://schemas.openxmlformats.org/drawingml/2006/table">
-            <a:tbl>
-              <a:tblPr firstRow="1" bandRow="1">
-                <a:tableStyleId>{F5AB1C69-6EDB-4FF4-983F-18BD219EF322}</a:tableStyleId>
-              </a:tblPr>
-              <a:tblGrid>
-                <a:gridCol w="609948">
-                  <a:extLst>
-                    <a:ext uri="{9D8B030D-6E8A-4147-A177-3AD203B41FA5}">
-                      <a16:colId xmlns:a16="http://schemas.microsoft.com/office/drawing/2014/main" val="2292092770"/>
-                    </a:ext>
-                  </a:extLst>
-                </a:gridCol>
-                <a:gridCol w="2929945">
-                  <a:extLst>
-                    <a:ext uri="{9D8B030D-6E8A-4147-A177-3AD203B41FA5}">
-                      <a16:colId xmlns:a16="http://schemas.microsoft.com/office/drawing/2014/main" val="127655576"/>
-                    </a:ext>
-                  </a:extLst>
-                </a:gridCol>
-              </a:tblGrid>
-              <a:tr h="423078">
-                <a:tc gridSpan="2">
-                  <a:txBody>
-                    <a:bodyPr/>
-                    <a:lstStyle/>
-                    <a:p>
-                      <a:pPr latinLnBrk="1"/>
-                      <a:r>
-                        <a:rPr lang="ko-KR" altLang="en-US" dirty="0"/>
-                        <a:t>설명</a:t>
-                      </a:r>
-                    </a:p>
-                  </a:txBody>
-                  <a:tcPr>
-                    <a:lnL w="12700" cap="flat" cmpd="sng" algn="ctr">
-                      <a:solidFill>
-                        <a:schemeClr val="tx1"/>
-                      </a:solidFill>
-                      <a:prstDash val="solid"/>
-                      <a:round/>
-                      <a:headEnd type="none" w="med" len="med"/>
-                      <a:tailEnd type="none" w="med" len="med"/>
-                    </a:lnL>
-                    <a:lnR w="12700" cap="flat" cmpd="sng" algn="ctr">
-                      <a:solidFill>
-                        <a:schemeClr val="tx1"/>
-                      </a:solidFill>
-                      <a:prstDash val="solid"/>
-                      <a:round/>
-                      <a:headEnd type="none" w="med" len="med"/>
-                      <a:tailEnd type="none" w="med" len="med"/>
-                    </a:lnR>
-                    <a:lnT w="12700" cap="flat" cmpd="sng" algn="ctr">
-                      <a:solidFill>
-                        <a:schemeClr val="tx1"/>
-                      </a:solidFill>
-                      <a:prstDash val="solid"/>
-                      <a:round/>
-                      <a:headEnd type="none" w="med" len="med"/>
-                      <a:tailEnd type="none" w="med" len="med"/>
-                    </a:lnT>
-                    <a:lnB w="12700" cap="flat" cmpd="sng" algn="ctr">
-                      <a:solidFill>
-                        <a:schemeClr val="tx1"/>
-                      </a:solidFill>
-                      <a:prstDash val="solid"/>
-                      <a:round/>
-                      <a:headEnd type="none" w="med" len="med"/>
-                      <a:tailEnd type="none" w="med" len="med"/>
-                    </a:lnB>
-                  </a:tcPr>
-                </a:tc>
-                <a:tc hMerge="1">
-                  <a:txBody>
-                    <a:bodyPr/>
-                    <a:lstStyle/>
-                    <a:p>
-                      <a:pPr latinLnBrk="1"/>
-                      <a:endParaRPr lang="ko-KR" altLang="en-US" dirty="0"/>
-                    </a:p>
-                  </a:txBody>
-                  <a:tcPr/>
-                </a:tc>
-                <a:extLst>
-                  <a:ext uri="{0D108BD9-81ED-4DB2-BD59-A6C34878D82A}">
-                    <a16:rowId xmlns:a16="http://schemas.microsoft.com/office/drawing/2014/main" val="3996738884"/>
-                  </a:ext>
-                </a:extLst>
-              </a:tr>
-              <a:tr h="423078">
-                <a:tc>
-                  <a:txBody>
-                    <a:bodyPr/>
-                    <a:lstStyle/>
-                    <a:p>
-                      <a:pPr algn="ctr" latinLnBrk="1"/>
-                      <a:r>
-                        <a:rPr lang="en-US" altLang="ko-KR" dirty="0"/>
-                        <a:t>1</a:t>
-                      </a:r>
-                      <a:endParaRPr lang="ko-KR" altLang="en-US" dirty="0"/>
-                    </a:p>
-                  </a:txBody>
-                  <a:tcPr anchor="ctr">
-                    <a:lnL w="12700" cap="flat" cmpd="sng" algn="ctr">
-                      <a:solidFill>
-                        <a:schemeClr val="tx1"/>
-                      </a:solidFill>
-                      <a:prstDash val="solid"/>
-                      <a:round/>
-                      <a:headEnd type="none" w="med" len="med"/>
-                      <a:tailEnd type="none" w="med" len="med"/>
-                    </a:lnL>
-                    <a:lnR w="12700" cap="flat" cmpd="sng" algn="ctr">
-                      <a:solidFill>
-                        <a:schemeClr val="tx1"/>
-                      </a:solidFill>
-                      <a:prstDash val="solid"/>
-                      <a:round/>
-                      <a:headEnd type="none" w="med" len="med"/>
-                      <a:tailEnd type="none" w="med" len="med"/>
-                    </a:lnR>
-                    <a:lnT w="12700" cap="flat" cmpd="sng" algn="ctr">
-                      <a:solidFill>
-                        <a:schemeClr val="tx1"/>
-                      </a:solidFill>
-                      <a:prstDash val="solid"/>
-                      <a:round/>
-                      <a:headEnd type="none" w="med" len="med"/>
-                      <a:tailEnd type="none" w="med" len="med"/>
-                    </a:lnT>
-                    <a:lnB w="12700" cap="flat" cmpd="sng" algn="ctr">
-                      <a:solidFill>
-                        <a:schemeClr val="tx1"/>
-                      </a:solidFill>
-                      <a:prstDash val="solid"/>
-                      <a:round/>
-                      <a:headEnd type="none" w="med" len="med"/>
-                      <a:tailEnd type="none" w="med" len="med"/>
-                    </a:lnB>
-                    <a:solidFill>
-                      <a:schemeClr val="bg1"/>
-                    </a:solidFill>
-                  </a:tcPr>
-                </a:tc>
-                <a:tc>
-                  <a:txBody>
-                    <a:bodyPr/>
-                    <a:lstStyle/>
-                    <a:p>
-                      <a:pPr latinLnBrk="1"/>
-                      <a:r>
-                        <a:rPr lang="ko-KR" altLang="en-US" b="0" dirty="0"/>
-                        <a:t>오늘 날짜</a:t>
-                      </a:r>
-                    </a:p>
-                  </a:txBody>
-                  <a:tcPr>
-                    <a:lnL w="12700" cap="flat" cmpd="sng" algn="ctr">
-                      <a:solidFill>
-                        <a:schemeClr val="tx1"/>
-                      </a:solidFill>
-                      <a:prstDash val="solid"/>
-                      <a:round/>
-                      <a:headEnd type="none" w="med" len="med"/>
-                      <a:tailEnd type="none" w="med" len="med"/>
-                    </a:lnL>
-                    <a:lnR w="12700" cap="flat" cmpd="sng" algn="ctr">
-                      <a:solidFill>
-                        <a:schemeClr val="tx1"/>
-                      </a:solidFill>
-                      <a:prstDash val="solid"/>
-                      <a:round/>
-                      <a:headEnd type="none" w="med" len="med"/>
-                      <a:tailEnd type="none" w="med" len="med"/>
-                    </a:lnR>
-                    <a:lnT w="12700" cap="flat" cmpd="sng" algn="ctr">
-                      <a:solidFill>
-                        <a:schemeClr val="tx1"/>
-                      </a:solidFill>
-                      <a:prstDash val="solid"/>
-                      <a:round/>
-                      <a:headEnd type="none" w="med" len="med"/>
-                      <a:tailEnd type="none" w="med" len="med"/>
-                    </a:lnT>
-                    <a:lnB w="12700" cap="flat" cmpd="sng" algn="ctr">
-                      <a:solidFill>
-                        <a:schemeClr val="tx1"/>
-                      </a:solidFill>
-                      <a:prstDash val="solid"/>
-                      <a:round/>
-                      <a:headEnd type="none" w="med" len="med"/>
-                      <a:tailEnd type="none" w="med" len="med"/>
-                    </a:lnB>
-                    <a:solidFill>
-                      <a:schemeClr val="bg1"/>
-                    </a:solidFill>
-                  </a:tcPr>
-                </a:tc>
-                <a:extLst>
-                  <a:ext uri="{0D108BD9-81ED-4DB2-BD59-A6C34878D82A}">
-                    <a16:rowId xmlns:a16="http://schemas.microsoft.com/office/drawing/2014/main" val="3679951739"/>
-                  </a:ext>
-                </a:extLst>
-              </a:tr>
-              <a:tr h="424800">
-                <a:tc>
-                  <a:txBody>
-                    <a:bodyPr/>
-                    <a:lstStyle/>
-                    <a:p>
-                      <a:pPr algn="ctr" latinLnBrk="1"/>
-                      <a:r>
-                        <a:rPr lang="en-US" altLang="ko-KR" dirty="0"/>
-                        <a:t>2</a:t>
-                      </a:r>
-                      <a:endParaRPr lang="ko-KR" altLang="en-US" dirty="0"/>
-                    </a:p>
-                  </a:txBody>
-                  <a:tcPr anchor="ctr">
-                    <a:lnL w="12700" cap="flat" cmpd="sng" algn="ctr">
-                      <a:solidFill>
-                        <a:schemeClr val="tx1"/>
-                      </a:solidFill>
-                      <a:prstDash val="solid"/>
-                      <a:round/>
-                      <a:headEnd type="none" w="med" len="med"/>
-                      <a:tailEnd type="none" w="med" len="med"/>
-                    </a:lnL>
-                    <a:lnR w="12700" cap="flat" cmpd="sng" algn="ctr">
-                      <a:solidFill>
-                        <a:schemeClr val="tx1"/>
-                      </a:solidFill>
-                      <a:prstDash val="solid"/>
-                      <a:round/>
-                      <a:headEnd type="none" w="med" len="med"/>
-                      <a:tailEnd type="none" w="med" len="med"/>
-                    </a:lnR>
-                    <a:lnT w="12700" cap="flat" cmpd="sng" algn="ctr">
-                      <a:solidFill>
-                        <a:schemeClr val="tx1"/>
-                      </a:solidFill>
-                      <a:prstDash val="solid"/>
-                      <a:round/>
-                      <a:headEnd type="none" w="med" len="med"/>
-                      <a:tailEnd type="none" w="med" len="med"/>
-                    </a:lnT>
-                    <a:lnB w="12700" cap="flat" cmpd="sng" algn="ctr">
-                      <a:solidFill>
-                        <a:schemeClr val="tx1"/>
-                      </a:solidFill>
-                      <a:prstDash val="solid"/>
-                      <a:round/>
-                      <a:headEnd type="none" w="med" len="med"/>
-                      <a:tailEnd type="none" w="med" len="med"/>
-                    </a:lnB>
-                    <a:solidFill>
-                      <a:schemeClr val="bg1"/>
-                    </a:solidFill>
-                  </a:tcPr>
-                </a:tc>
-                <a:tc>
-                  <a:txBody>
-                    <a:bodyPr/>
-                    <a:lstStyle/>
-                    <a:p>
-                      <a:pPr latinLnBrk="1"/>
-                      <a:r>
-                        <a:rPr lang="ko-KR" altLang="en-US" dirty="0"/>
-                        <a:t>이번 달 지출</a:t>
-                      </a:r>
-                      <a:endParaRPr lang="en-US" altLang="ko-KR" dirty="0"/>
-                    </a:p>
-                    <a:p>
-                      <a:pPr latinLnBrk="1"/>
-                      <a:r>
-                        <a:rPr lang="en-US" altLang="ko-KR" sz="1600" dirty="0"/>
-                        <a:t>  - </a:t>
-                      </a:r>
-                      <a:r>
-                        <a:rPr lang="ko-KR" altLang="en-US" sz="1600" dirty="0"/>
-                        <a:t>교통비나 </a:t>
-                      </a:r>
-                      <a:r>
-                        <a:rPr lang="ko-KR" altLang="en-US" sz="1600" dirty="0" err="1"/>
-                        <a:t>카드비</a:t>
-                      </a:r>
-                      <a:r>
-                        <a:rPr lang="ko-KR" altLang="en-US" sz="1600" dirty="0"/>
-                        <a:t> 같은 특정 날에 누적 금액이 빠지는 지출을 출력</a:t>
-                      </a:r>
-                      <a:endParaRPr lang="en-US" altLang="ko-KR" sz="1600" dirty="0"/>
-                    </a:p>
-                  </a:txBody>
-                  <a:tcPr>
-                    <a:lnL w="12700" cap="flat" cmpd="sng" algn="ctr">
-                      <a:solidFill>
-                        <a:schemeClr val="tx1"/>
-                      </a:solidFill>
-                      <a:prstDash val="solid"/>
-                      <a:round/>
-                      <a:headEnd type="none" w="med" len="med"/>
-                      <a:tailEnd type="none" w="med" len="med"/>
-                    </a:lnL>
-                    <a:lnR w="12700" cap="flat" cmpd="sng" algn="ctr">
-                      <a:solidFill>
-                        <a:schemeClr val="tx1"/>
-                      </a:solidFill>
-                      <a:prstDash val="solid"/>
-                      <a:round/>
-                      <a:headEnd type="none" w="med" len="med"/>
-                      <a:tailEnd type="none" w="med" len="med"/>
-                    </a:lnR>
-                    <a:lnT w="12700" cap="flat" cmpd="sng" algn="ctr">
-                      <a:solidFill>
-                        <a:schemeClr val="tx1"/>
-                      </a:solidFill>
-                      <a:prstDash val="solid"/>
-                      <a:round/>
-                      <a:headEnd type="none" w="med" len="med"/>
-                      <a:tailEnd type="none" w="med" len="med"/>
-                    </a:lnT>
-                    <a:lnB w="12700" cap="flat" cmpd="sng" algn="ctr">
-                      <a:solidFill>
-                        <a:schemeClr val="tx1"/>
-                      </a:solidFill>
-                      <a:prstDash val="solid"/>
-                      <a:round/>
-                      <a:headEnd type="none" w="med" len="med"/>
-                      <a:tailEnd type="none" w="med" len="med"/>
-                    </a:lnB>
-                    <a:solidFill>
-                      <a:schemeClr val="bg1"/>
-                    </a:solidFill>
-                  </a:tcPr>
-                </a:tc>
-                <a:extLst>
-                  <a:ext uri="{0D108BD9-81ED-4DB2-BD59-A6C34878D82A}">
-                    <a16:rowId xmlns:a16="http://schemas.microsoft.com/office/drawing/2014/main" val="3025105934"/>
-                  </a:ext>
-                </a:extLst>
-              </a:tr>
-              <a:tr h="685800">
-                <a:tc>
-                  <a:txBody>
-                    <a:bodyPr/>
-                    <a:lstStyle/>
-                    <a:p>
-                      <a:pPr algn="ctr" latinLnBrk="1"/>
-                      <a:r>
-                        <a:rPr lang="en-US" altLang="ko-KR" dirty="0"/>
-                        <a:t>2-1</a:t>
-                      </a:r>
-                      <a:endParaRPr lang="ko-KR" altLang="en-US" dirty="0"/>
-                    </a:p>
-                  </a:txBody>
-                  <a:tcPr anchor="ctr">
-                    <a:lnL w="12700" cap="flat" cmpd="sng" algn="ctr">
-                      <a:solidFill>
-                        <a:schemeClr val="tx1"/>
-                      </a:solidFill>
-                      <a:prstDash val="solid"/>
-                      <a:round/>
-                      <a:headEnd type="none" w="med" len="med"/>
-                      <a:tailEnd type="none" w="med" len="med"/>
-                    </a:lnL>
-                    <a:lnR w="12700" cap="flat" cmpd="sng" algn="ctr">
-                      <a:solidFill>
-                        <a:schemeClr val="tx1"/>
-                      </a:solidFill>
-                      <a:prstDash val="solid"/>
-                      <a:round/>
-                      <a:headEnd type="none" w="med" len="med"/>
-                      <a:tailEnd type="none" w="med" len="med"/>
-                    </a:lnR>
-                    <a:lnT w="12700" cap="flat" cmpd="sng" algn="ctr">
-                      <a:solidFill>
-                        <a:schemeClr val="tx1"/>
-                      </a:solidFill>
-                      <a:prstDash val="solid"/>
-                      <a:round/>
-                      <a:headEnd type="none" w="med" len="med"/>
-                      <a:tailEnd type="none" w="med" len="med"/>
-                    </a:lnT>
-                    <a:lnB w="12700" cap="flat" cmpd="sng" algn="ctr">
-                      <a:solidFill>
-                        <a:schemeClr val="tx1"/>
-                      </a:solidFill>
-                      <a:prstDash val="solid"/>
-                      <a:round/>
-                      <a:headEnd type="none" w="med" len="med"/>
-                      <a:tailEnd type="none" w="med" len="med"/>
-                    </a:lnB>
-                    <a:solidFill>
-                      <a:schemeClr val="bg1"/>
-                    </a:solidFill>
-                  </a:tcPr>
-                </a:tc>
-                <a:tc>
-                  <a:txBody>
-                    <a:bodyPr/>
-                    <a:lstStyle/>
-                    <a:p>
-                      <a:pPr latinLnBrk="1"/>
-                      <a:r>
-                        <a:rPr lang="ko-KR" altLang="en-US" sz="1800" dirty="0"/>
-                        <a:t>추가</a:t>
-                      </a:r>
-                      <a:endParaRPr lang="en-US" altLang="ko-KR" sz="1800" dirty="0"/>
-                    </a:p>
-                    <a:p>
-                      <a:pPr latinLnBrk="1"/>
-                      <a:r>
-                        <a:rPr lang="en-US" altLang="ko-KR" sz="1600" dirty="0"/>
-                        <a:t>  - </a:t>
-                      </a:r>
-                      <a:r>
-                        <a:rPr lang="ko-KR" altLang="en-US" sz="1600" dirty="0"/>
-                        <a:t>특수 지출을 추가하는 페이지로 이동</a:t>
-                      </a:r>
-                      <a:endParaRPr lang="en-US" altLang="ko-KR" sz="1600" dirty="0"/>
-                    </a:p>
-                  </a:txBody>
-                  <a:tcPr>
-                    <a:lnL w="12700" cap="flat" cmpd="sng" algn="ctr">
-                      <a:solidFill>
-                        <a:schemeClr val="tx1"/>
-                      </a:solidFill>
-                      <a:prstDash val="solid"/>
-                      <a:round/>
-                      <a:headEnd type="none" w="med" len="med"/>
-                      <a:tailEnd type="none" w="med" len="med"/>
-                    </a:lnL>
-                    <a:lnR w="12700" cap="flat" cmpd="sng" algn="ctr">
-                      <a:solidFill>
-                        <a:schemeClr val="tx1"/>
-                      </a:solidFill>
-                      <a:prstDash val="solid"/>
-                      <a:round/>
-                      <a:headEnd type="none" w="med" len="med"/>
-                      <a:tailEnd type="none" w="med" len="med"/>
-                    </a:lnR>
-                    <a:lnT w="12700" cap="flat" cmpd="sng" algn="ctr">
-                      <a:solidFill>
-                        <a:schemeClr val="tx1"/>
-                      </a:solidFill>
-                      <a:prstDash val="solid"/>
-                      <a:round/>
-                      <a:headEnd type="none" w="med" len="med"/>
-                      <a:tailEnd type="none" w="med" len="med"/>
-                    </a:lnT>
-                    <a:lnB w="12700" cap="flat" cmpd="sng" algn="ctr">
-                      <a:solidFill>
-                        <a:schemeClr val="tx1"/>
-                      </a:solidFill>
-                      <a:prstDash val="solid"/>
-                      <a:round/>
-                      <a:headEnd type="none" w="med" len="med"/>
-                      <a:tailEnd type="none" w="med" len="med"/>
-                    </a:lnB>
-                    <a:solidFill>
-                      <a:schemeClr val="bg1"/>
-                    </a:solidFill>
-                  </a:tcPr>
-                </a:tc>
-                <a:extLst>
-                  <a:ext uri="{0D108BD9-81ED-4DB2-BD59-A6C34878D82A}">
-                    <a16:rowId xmlns:a16="http://schemas.microsoft.com/office/drawing/2014/main" val="2708506169"/>
-                  </a:ext>
-                </a:extLst>
-              </a:tr>
-              <a:tr h="208641">
-                <a:tc>
-                  <a:txBody>
-                    <a:bodyPr/>
-                    <a:lstStyle/>
-                    <a:p>
-                      <a:pPr algn="ctr" latinLnBrk="1"/>
-                      <a:r>
-                        <a:rPr lang="en-US" altLang="ko-KR" dirty="0"/>
-                        <a:t>3</a:t>
-                      </a:r>
-                      <a:endParaRPr lang="ko-KR" altLang="en-US" dirty="0"/>
-                    </a:p>
-                  </a:txBody>
-                  <a:tcPr anchor="ctr">
-                    <a:lnL w="12700" cap="flat" cmpd="sng" algn="ctr">
-                      <a:solidFill>
-                        <a:schemeClr val="tx1"/>
-                      </a:solidFill>
-                      <a:prstDash val="solid"/>
-                      <a:round/>
-                      <a:headEnd type="none" w="med" len="med"/>
-                      <a:tailEnd type="none" w="med" len="med"/>
-                    </a:lnL>
-                    <a:lnR w="12700" cap="flat" cmpd="sng" algn="ctr">
-                      <a:solidFill>
-                        <a:schemeClr val="tx1"/>
-                      </a:solidFill>
-                      <a:prstDash val="solid"/>
-                      <a:round/>
-                      <a:headEnd type="none" w="med" len="med"/>
-                      <a:tailEnd type="none" w="med" len="med"/>
-                    </a:lnR>
-                    <a:lnT w="12700" cap="flat" cmpd="sng" algn="ctr">
-                      <a:solidFill>
-                        <a:schemeClr val="tx1"/>
-                      </a:solidFill>
-                      <a:prstDash val="solid"/>
-                      <a:round/>
-                      <a:headEnd type="none" w="med" len="med"/>
-                      <a:tailEnd type="none" w="med" len="med"/>
-                    </a:lnT>
-                    <a:lnB w="12700" cap="flat" cmpd="sng" algn="ctr">
-                      <a:solidFill>
-                        <a:schemeClr val="tx1"/>
-                      </a:solidFill>
-                      <a:prstDash val="solid"/>
-                      <a:round/>
-                      <a:headEnd type="none" w="med" len="med"/>
-                      <a:tailEnd type="none" w="med" len="med"/>
-                    </a:lnB>
-                    <a:solidFill>
-                      <a:schemeClr val="bg1"/>
-                    </a:solidFill>
-                  </a:tcPr>
-                </a:tc>
-                <a:tc>
-                  <a:txBody>
-                    <a:bodyPr/>
-                    <a:lstStyle/>
-                    <a:p>
-                      <a:pPr latinLnBrk="1"/>
-                      <a:r>
-                        <a:rPr lang="ko-KR" altLang="en-US" dirty="0"/>
-                        <a:t>완료</a:t>
-                      </a:r>
-                      <a:endParaRPr lang="en-US" altLang="ko-KR" dirty="0"/>
-                    </a:p>
-                    <a:p>
-                      <a:pPr latinLnBrk="1"/>
-                      <a:r>
-                        <a:rPr lang="ko-KR" altLang="en-US" sz="1600" dirty="0"/>
-                        <a:t>  </a:t>
-                      </a:r>
-                      <a:r>
-                        <a:rPr lang="en-US" altLang="ko-KR" sz="1600" dirty="0"/>
-                        <a:t>- </a:t>
-                      </a:r>
-                      <a:r>
-                        <a:rPr lang="ko-KR" altLang="en-US" sz="1600" dirty="0"/>
-                        <a:t>메인 화면으로 이동</a:t>
-                      </a:r>
-                      <a:endParaRPr lang="en-US" altLang="ko-KR" sz="1600" dirty="0"/>
-                    </a:p>
-                  </a:txBody>
-                  <a:tcPr>
-                    <a:lnL w="12700" cap="flat" cmpd="sng" algn="ctr">
-                      <a:solidFill>
-                        <a:schemeClr val="tx1"/>
-                      </a:solidFill>
-                      <a:prstDash val="solid"/>
-                      <a:round/>
-                      <a:headEnd type="none" w="med" len="med"/>
-                      <a:tailEnd type="none" w="med" len="med"/>
-                    </a:lnL>
-                    <a:lnR w="12700" cap="flat" cmpd="sng" algn="ctr">
-                      <a:solidFill>
-                        <a:schemeClr val="tx1"/>
-                      </a:solidFill>
-                      <a:prstDash val="solid"/>
-                      <a:round/>
-                      <a:headEnd type="none" w="med" len="med"/>
-                      <a:tailEnd type="none" w="med" len="med"/>
-                    </a:lnR>
-                    <a:lnT w="12700" cap="flat" cmpd="sng" algn="ctr">
-                      <a:solidFill>
-                        <a:schemeClr val="tx1"/>
-                      </a:solidFill>
-                      <a:prstDash val="solid"/>
-                      <a:round/>
-                      <a:headEnd type="none" w="med" len="med"/>
-                      <a:tailEnd type="none" w="med" len="med"/>
-                    </a:lnT>
-                    <a:lnB w="12700" cap="flat" cmpd="sng" algn="ctr">
-                      <a:solidFill>
-                        <a:schemeClr val="tx1"/>
-                      </a:solidFill>
-                      <a:prstDash val="solid"/>
-                      <a:round/>
-                      <a:headEnd type="none" w="med" len="med"/>
-                      <a:tailEnd type="none" w="med" len="med"/>
-                    </a:lnB>
-                    <a:solidFill>
-                      <a:schemeClr val="bg1"/>
-                    </a:solidFill>
-                  </a:tcPr>
-                </a:tc>
-                <a:extLst>
-                  <a:ext uri="{0D108BD9-81ED-4DB2-BD59-A6C34878D82A}">
-                    <a16:rowId xmlns:a16="http://schemas.microsoft.com/office/drawing/2014/main" val="2823866177"/>
-                  </a:ext>
-                </a:extLst>
-              </a:tr>
-            </a:tbl>
-          </a:graphicData>
-        </a:graphic>
-      </p:graphicFrame>
-      <p:sp>
-        <p:nvSpPr>
-          <p:cNvPr id="4" name="TextBox 3">
-            <a:extLst>
-              <a:ext uri="{FF2B5EF4-FFF2-40B4-BE49-F238E27FC236}">
-                <a16:creationId xmlns:a16="http://schemas.microsoft.com/office/drawing/2014/main" id="{8B1E3861-EF70-4378-A26D-F7E67727A02A}"/>
-              </a:ext>
-            </a:extLst>
-          </p:cNvPr>
-          <p:cNvSpPr txBox="1"/>
-          <p:nvPr/>
-        </p:nvSpPr>
-        <p:spPr>
-          <a:xfrm>
-            <a:off x="357251" y="417010"/>
-            <a:ext cx="3147015" cy="553998"/>
-          </a:xfrm>
-          <a:prstGeom prst="rect">
-            <a:avLst/>
-          </a:prstGeom>
-          <a:noFill/>
-        </p:spPr>
-        <p:txBody>
-          <a:bodyPr wrap="none" rtlCol="0">
-            <a:spAutoFit/>
-          </a:bodyPr>
-          <a:lstStyle/>
-          <a:p>
-            <a:r>
-              <a:rPr lang="ko-KR" altLang="en-US" sz="3000" dirty="0"/>
-              <a:t>특수 가계부 화면</a:t>
-            </a:r>
-          </a:p>
-        </p:txBody>
-      </p:sp>
-      <p:sp>
-        <p:nvSpPr>
-          <p:cNvPr id="6" name="TextBox 5">
-            <a:extLst>
-              <a:ext uri="{FF2B5EF4-FFF2-40B4-BE49-F238E27FC236}">
-                <a16:creationId xmlns:a16="http://schemas.microsoft.com/office/drawing/2014/main" id="{4C9DC074-C163-46A6-B197-9D99FF1C568B}"/>
-              </a:ext>
-            </a:extLst>
-          </p:cNvPr>
-          <p:cNvSpPr txBox="1"/>
-          <p:nvPr/>
-        </p:nvSpPr>
-        <p:spPr>
-          <a:xfrm>
-            <a:off x="4253026" y="2588000"/>
-            <a:ext cx="378630" cy="246221"/>
-          </a:xfrm>
-          <a:prstGeom prst="rect">
-            <a:avLst/>
-          </a:prstGeom>
-          <a:noFill/>
-        </p:spPr>
-        <p:txBody>
-          <a:bodyPr wrap="none" rtlCol="0">
-            <a:spAutoFit/>
-          </a:bodyPr>
-          <a:lstStyle/>
-          <a:p>
-            <a:r>
-              <a:rPr lang="en-US" altLang="ko-KR" sz="1000" dirty="0">
-                <a:solidFill>
-                  <a:schemeClr val="bg1"/>
-                </a:solidFill>
-              </a:rPr>
-              <a:t>2-1</a:t>
-            </a:r>
-            <a:endParaRPr lang="ko-KR" altLang="en-US" sz="1000" dirty="0">
-              <a:solidFill>
-                <a:schemeClr val="bg1"/>
-              </a:solidFill>
-            </a:endParaRPr>
-          </a:p>
-        </p:txBody>
-      </p:sp>
-    </p:spTree>
-    <p:extLst>
-      <p:ext uri="{BB962C8B-B14F-4D97-AF65-F5344CB8AC3E}">
-        <p14:creationId xmlns:p14="http://schemas.microsoft.com/office/powerpoint/2010/main" val="1014764260"/>
-      </p:ext>
-    </p:extLst>
-  </p:cSld>
-  <p:clrMapOvr>
-    <a:masterClrMapping/>
-  </p:clrMapOvr>
-</p:sld>
-</file>
-
-<file path=ppt/slides/slide9.xml><?xml version="1.0" encoding="utf-8"?>
-<p:sld xmlns:a="http://schemas.openxmlformats.org/drawingml/2006/main" xmlns:r="http://schemas.openxmlformats.org/officeDocument/2006/relationships" xmlns:p="http://schemas.openxmlformats.org/presentationml/2006/main">
-  <p:cSld>
-    <p:spTree>
-      <p:nvGrpSpPr>
-        <p:cNvPr id="1" name=""/>
-        <p:cNvGrpSpPr/>
-        <p:nvPr/>
-      </p:nvGrpSpPr>
-      <p:grpSpPr>
-        <a:xfrm>
-          <a:off x="0" y="0"/>
-          <a:ext cx="0" cy="0"/>
-          <a:chOff x="0" y="0"/>
-          <a:chExt cx="0" cy="0"/>
-        </a:xfrm>
-      </p:grpSpPr>
-      <p:pic>
-        <p:nvPicPr>
-          <p:cNvPr id="5" name="그림 4">
-            <a:extLst>
-              <a:ext uri="{FF2B5EF4-FFF2-40B4-BE49-F238E27FC236}">
-                <a16:creationId xmlns:a16="http://schemas.microsoft.com/office/drawing/2014/main" id="{2595402A-2E52-4B3F-958F-E26C7BAB532D}"/>
-              </a:ext>
-            </a:extLst>
-          </p:cNvPr>
-          <p:cNvPicPr>
-            <a:picLocks noChangeAspect="1"/>
-          </p:cNvPicPr>
-          <p:nvPr/>
-        </p:nvPicPr>
-        <p:blipFill>
-          <a:blip r:embed="rId2">
-            <a:extLst>
-              <a:ext uri="{28A0092B-C50C-407E-A947-70E740481C1C}">
-                <a14:useLocalDpi xmlns:a14="http://schemas.microsoft.com/office/drawing/2010/main" val="0"/>
-              </a:ext>
-            </a:extLst>
-          </a:blip>
-          <a:stretch>
-            <a:fillRect/>
-          </a:stretch>
-        </p:blipFill>
-        <p:spPr>
-          <a:xfrm>
-            <a:off x="3412524" y="0"/>
-            <a:ext cx="3086100" cy="6858000"/>
-          </a:xfrm>
-          <a:prstGeom prst="rect">
-            <a:avLst/>
-          </a:prstGeom>
-        </p:spPr>
-      </p:pic>
-      <p:sp>
-        <p:nvSpPr>
-          <p:cNvPr id="14" name="타원 13">
-            <a:extLst>
-              <a:ext uri="{FF2B5EF4-FFF2-40B4-BE49-F238E27FC236}">
-                <a16:creationId xmlns:a16="http://schemas.microsoft.com/office/drawing/2014/main" id="{DFCC4B6E-CB4C-45AC-B1D2-79CCE554DF1B}"/>
-              </a:ext>
-            </a:extLst>
-          </p:cNvPr>
-          <p:cNvSpPr/>
-          <p:nvPr/>
-        </p:nvSpPr>
-        <p:spPr>
-          <a:xfrm>
-            <a:off x="4109537" y="720394"/>
-            <a:ext cx="216000" cy="216000"/>
-          </a:xfrm>
-          <a:prstGeom prst="ellipse">
-            <a:avLst/>
-          </a:prstGeom>
-        </p:spPr>
-        <p:style>
-          <a:lnRef idx="2">
-            <a:schemeClr val="accent2">
-              <a:shade val="50000"/>
-            </a:schemeClr>
-          </a:lnRef>
-          <a:fillRef idx="1">
-            <a:schemeClr val="accent2"/>
-          </a:fillRef>
-          <a:effectRef idx="0">
-            <a:schemeClr val="accent2"/>
-          </a:effectRef>
-          <a:fontRef idx="minor">
-            <a:schemeClr val="lt1"/>
-          </a:fontRef>
-        </p:style>
-        <p:txBody>
-          <a:bodyPr rtlCol="0" anchor="ctr"/>
-          <a:lstStyle/>
-          <a:p>
-            <a:pPr algn="ctr"/>
-            <a:r>
-              <a:rPr lang="en-US" altLang="ko-KR" sz="1000" dirty="0"/>
-              <a:t>1</a:t>
-            </a:r>
-          </a:p>
-        </p:txBody>
-      </p:sp>
-      <p:sp>
-        <p:nvSpPr>
-          <p:cNvPr id="15" name="타원 14">
-            <a:extLst>
-              <a:ext uri="{FF2B5EF4-FFF2-40B4-BE49-F238E27FC236}">
-                <a16:creationId xmlns:a16="http://schemas.microsoft.com/office/drawing/2014/main" id="{653B9A5C-F4DC-44C5-A65A-080BFB9C060B}"/>
-              </a:ext>
-            </a:extLst>
-          </p:cNvPr>
-          <p:cNvSpPr/>
-          <p:nvPr/>
-        </p:nvSpPr>
-        <p:spPr>
-          <a:xfrm>
-            <a:off x="3482818" y="1505831"/>
-            <a:ext cx="216000" cy="216000"/>
-          </a:xfrm>
-          <a:prstGeom prst="ellipse">
-            <a:avLst/>
-          </a:prstGeom>
-        </p:spPr>
-        <p:style>
-          <a:lnRef idx="2">
-            <a:schemeClr val="accent2">
-              <a:shade val="50000"/>
-            </a:schemeClr>
-          </a:lnRef>
-          <a:fillRef idx="1">
-            <a:schemeClr val="accent2"/>
-          </a:fillRef>
-          <a:effectRef idx="0">
-            <a:schemeClr val="accent2"/>
-          </a:effectRef>
-          <a:fontRef idx="minor">
-            <a:schemeClr val="lt1"/>
-          </a:fontRef>
-        </p:style>
-        <p:txBody>
-          <a:bodyPr rtlCol="0" anchor="ctr"/>
-          <a:lstStyle/>
-          <a:p>
-            <a:pPr algn="ctr"/>
-            <a:r>
-              <a:rPr lang="en-US" altLang="ko-KR" sz="1000" dirty="0"/>
-              <a:t>2</a:t>
-            </a:r>
-          </a:p>
-        </p:txBody>
-      </p:sp>
-      <p:sp>
-        <p:nvSpPr>
-          <p:cNvPr id="17" name="타원 16">
-            <a:extLst>
-              <a:ext uri="{FF2B5EF4-FFF2-40B4-BE49-F238E27FC236}">
-                <a16:creationId xmlns:a16="http://schemas.microsoft.com/office/drawing/2014/main" id="{AB3006FE-11E0-4052-AC87-9B142FE7082F}"/>
-              </a:ext>
-            </a:extLst>
-          </p:cNvPr>
-          <p:cNvSpPr/>
-          <p:nvPr/>
-        </p:nvSpPr>
-        <p:spPr>
-          <a:xfrm>
-            <a:off x="4322780" y="2425048"/>
-            <a:ext cx="299699" cy="361165"/>
-          </a:xfrm>
-          <a:prstGeom prst="ellipse">
-            <a:avLst/>
-          </a:prstGeom>
-        </p:spPr>
-        <p:style>
-          <a:lnRef idx="2">
-            <a:schemeClr val="accent2">
-              <a:shade val="50000"/>
-            </a:schemeClr>
-          </a:lnRef>
-          <a:fillRef idx="1">
-            <a:schemeClr val="accent2"/>
-          </a:fillRef>
-          <a:effectRef idx="0">
-            <a:schemeClr val="accent2"/>
-          </a:effectRef>
-          <a:fontRef idx="minor">
-            <a:schemeClr val="lt1"/>
-          </a:fontRef>
-        </p:style>
-        <p:txBody>
-          <a:bodyPr rtlCol="0" anchor="ctr"/>
-          <a:lstStyle/>
-          <a:p>
-            <a:pPr algn="ctr"/>
-            <a:endParaRPr lang="en-US" altLang="ko-KR" sz="1000" dirty="0"/>
-          </a:p>
-        </p:txBody>
-      </p:sp>
-      <p:sp>
-        <p:nvSpPr>
-          <p:cNvPr id="18" name="타원 17">
-            <a:extLst>
-              <a:ext uri="{FF2B5EF4-FFF2-40B4-BE49-F238E27FC236}">
-                <a16:creationId xmlns:a16="http://schemas.microsoft.com/office/drawing/2014/main" id="{AAB8C2D1-B65B-4597-A643-81945D0A8EF4}"/>
-              </a:ext>
-            </a:extLst>
-          </p:cNvPr>
-          <p:cNvSpPr/>
-          <p:nvPr/>
-        </p:nvSpPr>
-        <p:spPr>
-          <a:xfrm>
-            <a:off x="4253026" y="6029606"/>
-            <a:ext cx="216000" cy="216000"/>
-          </a:xfrm>
-          <a:prstGeom prst="ellipse">
-            <a:avLst/>
-          </a:prstGeom>
-        </p:spPr>
-        <p:style>
-          <a:lnRef idx="2">
-            <a:schemeClr val="accent2">
-              <a:shade val="50000"/>
-            </a:schemeClr>
-          </a:lnRef>
-          <a:fillRef idx="1">
-            <a:schemeClr val="accent2"/>
-          </a:fillRef>
-          <a:effectRef idx="0">
-            <a:schemeClr val="accent2"/>
-          </a:effectRef>
-          <a:fontRef idx="minor">
-            <a:schemeClr val="lt1"/>
-          </a:fontRef>
-        </p:style>
-        <p:txBody>
-          <a:bodyPr rtlCol="0" anchor="ctr"/>
-          <a:lstStyle/>
-          <a:p>
-            <a:pPr algn="ctr"/>
-            <a:r>
-              <a:rPr lang="en-US" altLang="ko-KR" sz="1000" dirty="0"/>
-              <a:t>3</a:t>
-            </a:r>
-          </a:p>
-        </p:txBody>
-      </p:sp>
-      <p:graphicFrame>
-        <p:nvGraphicFramePr>
-          <p:cNvPr id="21" name="표 21">
-            <a:extLst>
-              <a:ext uri="{FF2B5EF4-FFF2-40B4-BE49-F238E27FC236}">
-                <a16:creationId xmlns:a16="http://schemas.microsoft.com/office/drawing/2014/main" id="{71A16ABA-C7C3-4006-AE98-2AFEEFD16C3F}"/>
-              </a:ext>
-            </a:extLst>
-          </p:cNvPr>
-          <p:cNvGraphicFramePr>
-            <a:graphicFrameLocks noGrp="1"/>
-          </p:cNvGraphicFramePr>
-          <p:nvPr>
-            <p:extLst>
-              <p:ext uri="{D42A27DB-BD31-4B8C-83A1-F6EECF244321}">
-                <p14:modId xmlns:p14="http://schemas.microsoft.com/office/powerpoint/2010/main" val="1625703795"/>
-              </p:ext>
-            </p:extLst>
-          </p:nvPr>
-        </p:nvGraphicFramePr>
-        <p:xfrm>
-          <a:off x="8211952" y="417010"/>
-          <a:ext cx="3539893" cy="3162636"/>
-        </p:xfrm>
-        <a:graphic>
-          <a:graphicData uri="http://schemas.openxmlformats.org/drawingml/2006/table">
-            <a:tbl>
-              <a:tblPr firstRow="1" bandRow="1">
-                <a:tableStyleId>{F5AB1C69-6EDB-4FF4-983F-18BD219EF322}</a:tableStyleId>
-              </a:tblPr>
-              <a:tblGrid>
-                <a:gridCol w="609948">
-                  <a:extLst>
-                    <a:ext uri="{9D8B030D-6E8A-4147-A177-3AD203B41FA5}">
-                      <a16:colId xmlns:a16="http://schemas.microsoft.com/office/drawing/2014/main" val="2292092770"/>
-                    </a:ext>
-                  </a:extLst>
-                </a:gridCol>
-                <a:gridCol w="2929945">
-                  <a:extLst>
-                    <a:ext uri="{9D8B030D-6E8A-4147-A177-3AD203B41FA5}">
-                      <a16:colId xmlns:a16="http://schemas.microsoft.com/office/drawing/2014/main" val="127655576"/>
-                    </a:ext>
-                  </a:extLst>
-                </a:gridCol>
-              </a:tblGrid>
-              <a:tr h="423078">
-                <a:tc gridSpan="2">
-                  <a:txBody>
-                    <a:bodyPr/>
-                    <a:lstStyle/>
-                    <a:p>
-                      <a:pPr latinLnBrk="1"/>
-                      <a:r>
-                        <a:rPr lang="ko-KR" altLang="en-US" dirty="0"/>
-                        <a:t>설명</a:t>
-                      </a:r>
-                    </a:p>
-                  </a:txBody>
-                  <a:tcPr>
-                    <a:lnL w="12700" cap="flat" cmpd="sng" algn="ctr">
-                      <a:solidFill>
-                        <a:schemeClr val="tx1"/>
-                      </a:solidFill>
-                      <a:prstDash val="solid"/>
-                      <a:round/>
-                      <a:headEnd type="none" w="med" len="med"/>
-                      <a:tailEnd type="none" w="med" len="med"/>
-                    </a:lnL>
-                    <a:lnR w="12700" cap="flat" cmpd="sng" algn="ctr">
-                      <a:solidFill>
-                        <a:schemeClr val="tx1"/>
-                      </a:solidFill>
-                      <a:prstDash val="solid"/>
-                      <a:round/>
-                      <a:headEnd type="none" w="med" len="med"/>
-                      <a:tailEnd type="none" w="med" len="med"/>
-                    </a:lnR>
-                    <a:lnT w="12700" cap="flat" cmpd="sng" algn="ctr">
-                      <a:solidFill>
-                        <a:schemeClr val="tx1"/>
-                      </a:solidFill>
-                      <a:prstDash val="solid"/>
-                      <a:round/>
-                      <a:headEnd type="none" w="med" len="med"/>
-                      <a:tailEnd type="none" w="med" len="med"/>
-                    </a:lnT>
-                    <a:lnB w="12700" cap="flat" cmpd="sng" algn="ctr">
-                      <a:solidFill>
-                        <a:schemeClr val="tx1"/>
-                      </a:solidFill>
-                      <a:prstDash val="solid"/>
-                      <a:round/>
-                      <a:headEnd type="none" w="med" len="med"/>
-                      <a:tailEnd type="none" w="med" len="med"/>
-                    </a:lnB>
-                  </a:tcPr>
-                </a:tc>
-                <a:tc hMerge="1">
-                  <a:txBody>
-                    <a:bodyPr/>
-                    <a:lstStyle/>
-                    <a:p>
-                      <a:pPr latinLnBrk="1"/>
-                      <a:endParaRPr lang="ko-KR" altLang="en-US" dirty="0"/>
-                    </a:p>
-                  </a:txBody>
-                  <a:tcPr/>
-                </a:tc>
-                <a:extLst>
-                  <a:ext uri="{0D108BD9-81ED-4DB2-BD59-A6C34878D82A}">
-                    <a16:rowId xmlns:a16="http://schemas.microsoft.com/office/drawing/2014/main" val="3996738884"/>
-                  </a:ext>
-                </a:extLst>
-              </a:tr>
-              <a:tr h="423078">
-                <a:tc>
-                  <a:txBody>
-                    <a:bodyPr/>
-                    <a:lstStyle/>
-                    <a:p>
-                      <a:pPr algn="ctr" latinLnBrk="1"/>
-                      <a:r>
-                        <a:rPr lang="en-US" altLang="ko-KR" dirty="0"/>
-                        <a:t>1</a:t>
-                      </a:r>
-                      <a:endParaRPr lang="ko-KR" altLang="en-US" dirty="0"/>
-                    </a:p>
-                  </a:txBody>
-                  <a:tcPr anchor="ctr">
-                    <a:lnL w="12700" cap="flat" cmpd="sng" algn="ctr">
-                      <a:solidFill>
-                        <a:schemeClr val="tx1"/>
-                      </a:solidFill>
-                      <a:prstDash val="solid"/>
-                      <a:round/>
-                      <a:headEnd type="none" w="med" len="med"/>
-                      <a:tailEnd type="none" w="med" len="med"/>
-                    </a:lnL>
-                    <a:lnR w="12700" cap="flat" cmpd="sng" algn="ctr">
-                      <a:solidFill>
-                        <a:schemeClr val="tx1"/>
-                      </a:solidFill>
-                      <a:prstDash val="solid"/>
-                      <a:round/>
-                      <a:headEnd type="none" w="med" len="med"/>
-                      <a:tailEnd type="none" w="med" len="med"/>
-                    </a:lnR>
-                    <a:lnT w="12700" cap="flat" cmpd="sng" algn="ctr">
-                      <a:solidFill>
-                        <a:schemeClr val="tx1"/>
-                      </a:solidFill>
-                      <a:prstDash val="solid"/>
-                      <a:round/>
-                      <a:headEnd type="none" w="med" len="med"/>
-                      <a:tailEnd type="none" w="med" len="med"/>
-                    </a:lnT>
-                    <a:lnB w="12700" cap="flat" cmpd="sng" algn="ctr">
-                      <a:solidFill>
-                        <a:schemeClr val="tx1"/>
-                      </a:solidFill>
-                      <a:prstDash val="solid"/>
-                      <a:round/>
-                      <a:headEnd type="none" w="med" len="med"/>
-                      <a:tailEnd type="none" w="med" len="med"/>
-                    </a:lnB>
-                    <a:solidFill>
-                      <a:schemeClr val="bg1"/>
-                    </a:solidFill>
-                  </a:tcPr>
-                </a:tc>
-                <a:tc>
-                  <a:txBody>
-                    <a:bodyPr/>
-                    <a:lstStyle/>
-                    <a:p>
-                      <a:pPr latinLnBrk="1"/>
-                      <a:r>
-                        <a:rPr lang="ko-KR" altLang="en-US" b="0" dirty="0"/>
-                        <a:t>오늘 날짜</a:t>
-                      </a:r>
-                    </a:p>
-                  </a:txBody>
-                  <a:tcPr>
-                    <a:lnL w="12700" cap="flat" cmpd="sng" algn="ctr">
-                      <a:solidFill>
-                        <a:schemeClr val="tx1"/>
-                      </a:solidFill>
-                      <a:prstDash val="solid"/>
-                      <a:round/>
-                      <a:headEnd type="none" w="med" len="med"/>
-                      <a:tailEnd type="none" w="med" len="med"/>
-                    </a:lnL>
-                    <a:lnR w="12700" cap="flat" cmpd="sng" algn="ctr">
-                      <a:solidFill>
-                        <a:schemeClr val="tx1"/>
-                      </a:solidFill>
-                      <a:prstDash val="solid"/>
-                      <a:round/>
-                      <a:headEnd type="none" w="med" len="med"/>
-                      <a:tailEnd type="none" w="med" len="med"/>
-                    </a:lnR>
-                    <a:lnT w="12700" cap="flat" cmpd="sng" algn="ctr">
-                      <a:solidFill>
-                        <a:schemeClr val="tx1"/>
-                      </a:solidFill>
-                      <a:prstDash val="solid"/>
-                      <a:round/>
-                      <a:headEnd type="none" w="med" len="med"/>
-                      <a:tailEnd type="none" w="med" len="med"/>
-                    </a:lnT>
-                    <a:lnB w="12700" cap="flat" cmpd="sng" algn="ctr">
-                      <a:solidFill>
-                        <a:schemeClr val="tx1"/>
-                      </a:solidFill>
-                      <a:prstDash val="solid"/>
-                      <a:round/>
-                      <a:headEnd type="none" w="med" len="med"/>
-                      <a:tailEnd type="none" w="med" len="med"/>
-                    </a:lnB>
-                    <a:solidFill>
-                      <a:schemeClr val="bg1"/>
-                    </a:solidFill>
-                  </a:tcPr>
-                </a:tc>
-                <a:extLst>
-                  <a:ext uri="{0D108BD9-81ED-4DB2-BD59-A6C34878D82A}">
-                    <a16:rowId xmlns:a16="http://schemas.microsoft.com/office/drawing/2014/main" val="3679951739"/>
-                  </a:ext>
-                </a:extLst>
-              </a:tr>
-              <a:tr h="424800">
-                <a:tc>
-                  <a:txBody>
-                    <a:bodyPr/>
-                    <a:lstStyle/>
-                    <a:p>
-                      <a:pPr algn="ctr" latinLnBrk="1"/>
-                      <a:r>
-                        <a:rPr lang="en-US" altLang="ko-KR" dirty="0"/>
-                        <a:t>2</a:t>
-                      </a:r>
-                      <a:endParaRPr lang="ko-KR" altLang="en-US" dirty="0"/>
-                    </a:p>
-                  </a:txBody>
-                  <a:tcPr anchor="ctr">
-                    <a:lnL w="12700" cap="flat" cmpd="sng" algn="ctr">
-                      <a:solidFill>
-                        <a:schemeClr val="tx1"/>
-                      </a:solidFill>
-                      <a:prstDash val="solid"/>
-                      <a:round/>
-                      <a:headEnd type="none" w="med" len="med"/>
-                      <a:tailEnd type="none" w="med" len="med"/>
-                    </a:lnL>
-                    <a:lnR w="12700" cap="flat" cmpd="sng" algn="ctr">
-                      <a:solidFill>
-                        <a:schemeClr val="tx1"/>
-                      </a:solidFill>
-                      <a:prstDash val="solid"/>
-                      <a:round/>
-                      <a:headEnd type="none" w="med" len="med"/>
-                      <a:tailEnd type="none" w="med" len="med"/>
-                    </a:lnR>
-                    <a:lnT w="12700" cap="flat" cmpd="sng" algn="ctr">
-                      <a:solidFill>
-                        <a:schemeClr val="tx1"/>
-                      </a:solidFill>
-                      <a:prstDash val="solid"/>
-                      <a:round/>
-                      <a:headEnd type="none" w="med" len="med"/>
-                      <a:tailEnd type="none" w="med" len="med"/>
-                    </a:lnT>
-                    <a:lnB w="12700" cap="flat" cmpd="sng" algn="ctr">
-                      <a:solidFill>
-                        <a:schemeClr val="tx1"/>
-                      </a:solidFill>
-                      <a:prstDash val="solid"/>
-                      <a:round/>
-                      <a:headEnd type="none" w="med" len="med"/>
-                      <a:tailEnd type="none" w="med" len="med"/>
-                    </a:lnB>
-                    <a:solidFill>
-                      <a:schemeClr val="bg1"/>
-                    </a:solidFill>
-                  </a:tcPr>
-                </a:tc>
-                <a:tc>
-                  <a:txBody>
-                    <a:bodyPr/>
-                    <a:lstStyle/>
-                    <a:p>
-                      <a:pPr latinLnBrk="1"/>
-                      <a:r>
-                        <a:rPr lang="ko-KR" altLang="en-US" dirty="0"/>
-                        <a:t>이번 달 지출</a:t>
-                      </a:r>
-                      <a:endParaRPr lang="en-US" altLang="ko-KR" dirty="0"/>
-                    </a:p>
-                    <a:p>
-                      <a:pPr latinLnBrk="1"/>
-                      <a:r>
-                        <a:rPr lang="en-US" altLang="ko-KR" sz="1600" dirty="0"/>
-                        <a:t>  - </a:t>
-                      </a:r>
-                      <a:r>
-                        <a:rPr lang="ko-KR" altLang="en-US" sz="1600" dirty="0"/>
-                        <a:t>분류 별로 이번 달의 특수 지출 작성</a:t>
-                      </a:r>
-                      <a:endParaRPr lang="en-US" altLang="ko-KR" sz="1600" dirty="0"/>
-                    </a:p>
-                  </a:txBody>
-                  <a:tcPr>
-                    <a:lnL w="12700" cap="flat" cmpd="sng" algn="ctr">
-                      <a:solidFill>
-                        <a:schemeClr val="tx1"/>
-                      </a:solidFill>
-                      <a:prstDash val="solid"/>
-                      <a:round/>
-                      <a:headEnd type="none" w="med" len="med"/>
-                      <a:tailEnd type="none" w="med" len="med"/>
-                    </a:lnL>
-                    <a:lnR w="12700" cap="flat" cmpd="sng" algn="ctr">
-                      <a:solidFill>
-                        <a:schemeClr val="tx1"/>
-                      </a:solidFill>
-                      <a:prstDash val="solid"/>
-                      <a:round/>
-                      <a:headEnd type="none" w="med" len="med"/>
-                      <a:tailEnd type="none" w="med" len="med"/>
-                    </a:lnR>
-                    <a:lnT w="12700" cap="flat" cmpd="sng" algn="ctr">
-                      <a:solidFill>
-                        <a:schemeClr val="tx1"/>
-                      </a:solidFill>
-                      <a:prstDash val="solid"/>
-                      <a:round/>
-                      <a:headEnd type="none" w="med" len="med"/>
-                      <a:tailEnd type="none" w="med" len="med"/>
-                    </a:lnT>
-                    <a:lnB w="12700" cap="flat" cmpd="sng" algn="ctr">
-                      <a:solidFill>
-                        <a:schemeClr val="tx1"/>
-                      </a:solidFill>
-                      <a:prstDash val="solid"/>
-                      <a:round/>
-                      <a:headEnd type="none" w="med" len="med"/>
-                      <a:tailEnd type="none" w="med" len="med"/>
-                    </a:lnB>
-                    <a:solidFill>
-                      <a:schemeClr val="bg1"/>
-                    </a:solidFill>
-                  </a:tcPr>
-                </a:tc>
-                <a:extLst>
-                  <a:ext uri="{0D108BD9-81ED-4DB2-BD59-A6C34878D82A}">
-                    <a16:rowId xmlns:a16="http://schemas.microsoft.com/office/drawing/2014/main" val="3025105934"/>
-                  </a:ext>
-                </a:extLst>
-              </a:tr>
-              <a:tr h="685800">
-                <a:tc>
-                  <a:txBody>
-                    <a:bodyPr/>
-                    <a:lstStyle/>
-                    <a:p>
-                      <a:pPr algn="ctr" latinLnBrk="1"/>
-                      <a:r>
-                        <a:rPr lang="en-US" altLang="ko-KR" dirty="0"/>
-                        <a:t>2-1</a:t>
-                      </a:r>
-                      <a:endParaRPr lang="ko-KR" altLang="en-US" dirty="0"/>
-                    </a:p>
-                  </a:txBody>
-                  <a:tcPr anchor="ctr">
-                    <a:lnL w="12700" cap="flat" cmpd="sng" algn="ctr">
-                      <a:solidFill>
-                        <a:schemeClr val="tx1"/>
-                      </a:solidFill>
-                      <a:prstDash val="solid"/>
-                      <a:round/>
-                      <a:headEnd type="none" w="med" len="med"/>
-                      <a:tailEnd type="none" w="med" len="med"/>
-                    </a:lnL>
-                    <a:lnR w="12700" cap="flat" cmpd="sng" algn="ctr">
-                      <a:solidFill>
-                        <a:schemeClr val="tx1"/>
-                      </a:solidFill>
-                      <a:prstDash val="solid"/>
-                      <a:round/>
-                      <a:headEnd type="none" w="med" len="med"/>
-                      <a:tailEnd type="none" w="med" len="med"/>
-                    </a:lnR>
-                    <a:lnT w="12700" cap="flat" cmpd="sng" algn="ctr">
-                      <a:solidFill>
-                        <a:schemeClr val="tx1"/>
-                      </a:solidFill>
-                      <a:prstDash val="solid"/>
-                      <a:round/>
-                      <a:headEnd type="none" w="med" len="med"/>
-                      <a:tailEnd type="none" w="med" len="med"/>
-                    </a:lnT>
-                    <a:lnB w="12700" cap="flat" cmpd="sng" algn="ctr">
-                      <a:solidFill>
-                        <a:schemeClr val="tx1"/>
-                      </a:solidFill>
-                      <a:prstDash val="solid"/>
-                      <a:round/>
-                      <a:headEnd type="none" w="med" len="med"/>
-                      <a:tailEnd type="none" w="med" len="med"/>
-                    </a:lnB>
-                    <a:solidFill>
-                      <a:schemeClr val="bg1"/>
-                    </a:solidFill>
-                  </a:tcPr>
-                </a:tc>
-                <a:tc>
-                  <a:txBody>
-                    <a:bodyPr/>
-                    <a:lstStyle/>
-                    <a:p>
-                      <a:pPr latinLnBrk="1"/>
-                      <a:r>
-                        <a:rPr lang="ko-KR" altLang="en-US" sz="1800" dirty="0"/>
-                        <a:t>추가</a:t>
-                      </a:r>
-                      <a:endParaRPr lang="en-US" altLang="ko-KR" sz="1800" dirty="0"/>
-                    </a:p>
-                    <a:p>
-                      <a:pPr latinLnBrk="1"/>
-                      <a:r>
-                        <a:rPr lang="en-US" altLang="ko-KR" sz="1600" dirty="0"/>
-                        <a:t>  - </a:t>
-                      </a:r>
-                      <a:r>
-                        <a:rPr lang="ko-KR" altLang="en-US" sz="1600" dirty="0"/>
-                        <a:t>추가적인 지출을 작성 할 수 있는 칸을 추가한다</a:t>
-                      </a:r>
-                      <a:r>
-                        <a:rPr lang="en-US" altLang="ko-KR" sz="1600" dirty="0"/>
-                        <a:t>.</a:t>
-                      </a:r>
-                    </a:p>
-                  </a:txBody>
-                  <a:tcPr>
-                    <a:lnL w="12700" cap="flat" cmpd="sng" algn="ctr">
-                      <a:solidFill>
-                        <a:schemeClr val="tx1"/>
-                      </a:solidFill>
-                      <a:prstDash val="solid"/>
-                      <a:round/>
-                      <a:headEnd type="none" w="med" len="med"/>
-                      <a:tailEnd type="none" w="med" len="med"/>
-                    </a:lnL>
-                    <a:lnR w="12700" cap="flat" cmpd="sng" algn="ctr">
-                      <a:solidFill>
-                        <a:schemeClr val="tx1"/>
-                      </a:solidFill>
-                      <a:prstDash val="solid"/>
-                      <a:round/>
-                      <a:headEnd type="none" w="med" len="med"/>
-                      <a:tailEnd type="none" w="med" len="med"/>
-                    </a:lnR>
-                    <a:lnT w="12700" cap="flat" cmpd="sng" algn="ctr">
-                      <a:solidFill>
-                        <a:schemeClr val="tx1"/>
-                      </a:solidFill>
-                      <a:prstDash val="solid"/>
-                      <a:round/>
-                      <a:headEnd type="none" w="med" len="med"/>
-                      <a:tailEnd type="none" w="med" len="med"/>
-                    </a:lnT>
-                    <a:lnB w="12700" cap="flat" cmpd="sng" algn="ctr">
-                      <a:solidFill>
-                        <a:schemeClr val="tx1"/>
-                      </a:solidFill>
-                      <a:prstDash val="solid"/>
-                      <a:round/>
-                      <a:headEnd type="none" w="med" len="med"/>
-                      <a:tailEnd type="none" w="med" len="med"/>
-                    </a:lnB>
-                    <a:solidFill>
-                      <a:schemeClr val="bg1"/>
-                    </a:solidFill>
-                  </a:tcPr>
-                </a:tc>
-                <a:extLst>
-                  <a:ext uri="{0D108BD9-81ED-4DB2-BD59-A6C34878D82A}">
-                    <a16:rowId xmlns:a16="http://schemas.microsoft.com/office/drawing/2014/main" val="2708506169"/>
-                  </a:ext>
-                </a:extLst>
-              </a:tr>
-              <a:tr h="208641">
-                <a:tc>
-                  <a:txBody>
-                    <a:bodyPr/>
-                    <a:lstStyle/>
-                    <a:p>
-                      <a:pPr algn="ctr" latinLnBrk="1"/>
-                      <a:r>
-                        <a:rPr lang="en-US" altLang="ko-KR" dirty="0"/>
-                        <a:t>3</a:t>
-                      </a:r>
-                      <a:endParaRPr lang="ko-KR" altLang="en-US" dirty="0"/>
-                    </a:p>
-                  </a:txBody>
-                  <a:tcPr anchor="ctr">
-                    <a:lnL w="12700" cap="flat" cmpd="sng" algn="ctr">
-                      <a:solidFill>
-                        <a:schemeClr val="tx1"/>
-                      </a:solidFill>
-                      <a:prstDash val="solid"/>
-                      <a:round/>
-                      <a:headEnd type="none" w="med" len="med"/>
-                      <a:tailEnd type="none" w="med" len="med"/>
-                    </a:lnL>
-                    <a:lnR w="12700" cap="flat" cmpd="sng" algn="ctr">
-                      <a:solidFill>
-                        <a:schemeClr val="tx1"/>
-                      </a:solidFill>
-                      <a:prstDash val="solid"/>
-                      <a:round/>
-                      <a:headEnd type="none" w="med" len="med"/>
-                      <a:tailEnd type="none" w="med" len="med"/>
-                    </a:lnR>
-                    <a:lnT w="12700" cap="flat" cmpd="sng" algn="ctr">
-                      <a:solidFill>
-                        <a:schemeClr val="tx1"/>
-                      </a:solidFill>
-                      <a:prstDash val="solid"/>
-                      <a:round/>
-                      <a:headEnd type="none" w="med" len="med"/>
-                      <a:tailEnd type="none" w="med" len="med"/>
-                    </a:lnT>
-                    <a:lnB w="12700" cap="flat" cmpd="sng" algn="ctr">
-                      <a:solidFill>
-                        <a:schemeClr val="tx1"/>
-                      </a:solidFill>
-                      <a:prstDash val="solid"/>
-                      <a:round/>
-                      <a:headEnd type="none" w="med" len="med"/>
-                      <a:tailEnd type="none" w="med" len="med"/>
-                    </a:lnB>
-                    <a:solidFill>
-                      <a:schemeClr val="bg1"/>
-                    </a:solidFill>
-                  </a:tcPr>
-                </a:tc>
-                <a:tc>
-                  <a:txBody>
-                    <a:bodyPr/>
-                    <a:lstStyle/>
-                    <a:p>
-                      <a:pPr latinLnBrk="1"/>
-                      <a:r>
-                        <a:rPr lang="ko-KR" altLang="en-US" dirty="0"/>
-                        <a:t>완료</a:t>
-                      </a:r>
-                      <a:endParaRPr lang="en-US" altLang="ko-KR" dirty="0"/>
-                    </a:p>
-                    <a:p>
-                      <a:pPr latinLnBrk="1"/>
-                      <a:r>
-                        <a:rPr lang="ko-KR" altLang="en-US" sz="1600" dirty="0"/>
-                        <a:t>  </a:t>
-                      </a:r>
-                      <a:r>
-                        <a:rPr lang="en-US" altLang="ko-KR" sz="1600" dirty="0"/>
-                        <a:t>- </a:t>
-                      </a:r>
-                      <a:r>
-                        <a:rPr lang="ko-KR" altLang="en-US" sz="1600" dirty="0"/>
-                        <a:t>메인 화면으로 이동</a:t>
-                      </a:r>
-                      <a:endParaRPr lang="en-US" altLang="ko-KR" sz="1600" dirty="0"/>
-                    </a:p>
-                  </a:txBody>
-                  <a:tcPr>
-                    <a:lnL w="12700" cap="flat" cmpd="sng" algn="ctr">
-                      <a:solidFill>
-                        <a:schemeClr val="tx1"/>
-                      </a:solidFill>
-                      <a:prstDash val="solid"/>
-                      <a:round/>
-                      <a:headEnd type="none" w="med" len="med"/>
-                      <a:tailEnd type="none" w="med" len="med"/>
-                    </a:lnL>
-                    <a:lnR w="12700" cap="flat" cmpd="sng" algn="ctr">
-                      <a:solidFill>
-                        <a:schemeClr val="tx1"/>
-                      </a:solidFill>
-                      <a:prstDash val="solid"/>
-                      <a:round/>
-                      <a:headEnd type="none" w="med" len="med"/>
-                      <a:tailEnd type="none" w="med" len="med"/>
-                    </a:lnR>
-                    <a:lnT w="12700" cap="flat" cmpd="sng" algn="ctr">
-                      <a:solidFill>
-                        <a:schemeClr val="tx1"/>
-                      </a:solidFill>
-                      <a:prstDash val="solid"/>
-                      <a:round/>
-                      <a:headEnd type="none" w="med" len="med"/>
-                      <a:tailEnd type="none" w="med" len="med"/>
-                    </a:lnT>
-                    <a:lnB w="12700" cap="flat" cmpd="sng" algn="ctr">
-                      <a:solidFill>
-                        <a:schemeClr val="tx1"/>
-                      </a:solidFill>
-                      <a:prstDash val="solid"/>
-                      <a:round/>
-                      <a:headEnd type="none" w="med" len="med"/>
-                      <a:tailEnd type="none" w="med" len="med"/>
-                    </a:lnB>
-                    <a:solidFill>
-                      <a:schemeClr val="bg1"/>
-                    </a:solidFill>
-                  </a:tcPr>
-                </a:tc>
-                <a:extLst>
-                  <a:ext uri="{0D108BD9-81ED-4DB2-BD59-A6C34878D82A}">
-                    <a16:rowId xmlns:a16="http://schemas.microsoft.com/office/drawing/2014/main" val="2823866177"/>
-                  </a:ext>
-                </a:extLst>
-              </a:tr>
-            </a:tbl>
-          </a:graphicData>
-        </a:graphic>
-      </p:graphicFrame>
-      <p:sp>
-        <p:nvSpPr>
-          <p:cNvPr id="4" name="TextBox 3">
-            <a:extLst>
-              <a:ext uri="{FF2B5EF4-FFF2-40B4-BE49-F238E27FC236}">
-                <a16:creationId xmlns:a16="http://schemas.microsoft.com/office/drawing/2014/main" id="{8B1E3861-EF70-4378-A26D-F7E67727A02A}"/>
-              </a:ext>
-            </a:extLst>
-          </p:cNvPr>
-          <p:cNvSpPr txBox="1"/>
-          <p:nvPr/>
-        </p:nvSpPr>
-        <p:spPr>
-          <a:xfrm>
-            <a:off x="357251" y="417010"/>
-            <a:ext cx="2377574" cy="1015663"/>
-          </a:xfrm>
-          <a:prstGeom prst="rect">
-            <a:avLst/>
-          </a:prstGeom>
-          <a:noFill/>
-        </p:spPr>
-        <p:txBody>
-          <a:bodyPr wrap="none" rtlCol="0">
-            <a:spAutoFit/>
-          </a:bodyPr>
-          <a:lstStyle/>
-          <a:p>
-            <a:r>
-              <a:rPr lang="ko-KR" altLang="en-US" sz="3000" dirty="0"/>
-              <a:t>특수 가계부 </a:t>
-            </a:r>
-            <a:endParaRPr lang="en-US" altLang="ko-KR" sz="3000" dirty="0"/>
-          </a:p>
-          <a:p>
-            <a:r>
-              <a:rPr lang="ko-KR" altLang="en-US" sz="3000" dirty="0"/>
-              <a:t>작성 화면</a:t>
-            </a:r>
-          </a:p>
-        </p:txBody>
-      </p:sp>
-      <p:sp>
-        <p:nvSpPr>
-          <p:cNvPr id="6" name="TextBox 5">
-            <a:extLst>
-              <a:ext uri="{FF2B5EF4-FFF2-40B4-BE49-F238E27FC236}">
-                <a16:creationId xmlns:a16="http://schemas.microsoft.com/office/drawing/2014/main" id="{4C9DC074-C163-46A6-B197-9D99FF1C568B}"/>
-              </a:ext>
-            </a:extLst>
-          </p:cNvPr>
-          <p:cNvSpPr txBox="1"/>
-          <p:nvPr/>
-        </p:nvSpPr>
-        <p:spPr>
-          <a:xfrm>
-            <a:off x="4289675" y="2482519"/>
-            <a:ext cx="378630" cy="246221"/>
-          </a:xfrm>
-          <a:prstGeom prst="rect">
-            <a:avLst/>
-          </a:prstGeom>
-          <a:noFill/>
-        </p:spPr>
-        <p:txBody>
-          <a:bodyPr wrap="none" rtlCol="0">
-            <a:spAutoFit/>
-          </a:bodyPr>
-          <a:lstStyle/>
-          <a:p>
-            <a:r>
-              <a:rPr lang="en-US" altLang="ko-KR" sz="1000" dirty="0">
-                <a:solidFill>
-                  <a:schemeClr val="bg1"/>
-                </a:solidFill>
-              </a:rPr>
-              <a:t>2-1</a:t>
-            </a:r>
-            <a:endParaRPr lang="ko-KR" altLang="en-US" sz="1000" dirty="0">
-              <a:solidFill>
-                <a:schemeClr val="bg1"/>
-              </a:solidFill>
-            </a:endParaRPr>
-          </a:p>
-        </p:txBody>
-      </p:sp>
-    </p:spTree>
-    <p:extLst>
-      <p:ext uri="{BB962C8B-B14F-4D97-AF65-F5344CB8AC3E}">
-        <p14:creationId xmlns:p14="http://schemas.microsoft.com/office/powerpoint/2010/main" val="2271616539"/>
+        <p14:creationId xmlns:p14="http://schemas.microsoft.com/office/powerpoint/2010/main" val="1830825079"/>
       </p:ext>
     </p:extLst>
   </p:cSld>
